--- a/Present/Presentation.pptx
+++ b/Present/Presentation.pptx
@@ -2,8 +2,14 @@
 <file path=ppt/presentation.xml><?xml version="1.0" encoding="utf-8"?>
 <p:presentation xmlns:a="http://schemas.openxmlformats.org/drawingml/2006/main" xmlns:r="http://schemas.openxmlformats.org/officeDocument/2006/relationships" xmlns:p="http://schemas.openxmlformats.org/presentationml/2006/main" saveSubsetFonts="1">
   <p:sldMasterIdLst>
-    <p:sldMasterId id="2147483684" r:id="rId1"/>
+    <p:sldMasterId id="2147483713" r:id="rId1"/>
   </p:sldMasterIdLst>
+  <p:notesMasterIdLst>
+    <p:notesMasterId r:id="rId45"/>
+  </p:notesMasterIdLst>
+  <p:handoutMasterIdLst>
+    <p:handoutMasterId r:id="rId46"/>
+  </p:handoutMasterIdLst>
   <p:sldIdLst>
     <p:sldId id="256" r:id="rId2"/>
     <p:sldId id="257" r:id="rId3"/>
@@ -154,6 +160,787 @@
 </p:presentation>
 </file>
 
+<file path=ppt/commentAuthors.xml><?xml version="1.0" encoding="utf-8"?>
+<p:cmAuthorLst xmlns:a="http://schemas.openxmlformats.org/drawingml/2006/main" xmlns:r="http://schemas.openxmlformats.org/officeDocument/2006/relationships" xmlns:p="http://schemas.openxmlformats.org/presentationml/2006/main">
+  <p:cmAuthor id="1" name="Rezaei" initials="HR" lastIdx="0" clrIdx="0">
+    <p:extLst>
+      <p:ext uri="{19B8F6BF-5375-455C-9EA6-DF929625EA0E}">
+        <p15:presenceInfo xmlns:p15="http://schemas.microsoft.com/office/powerpoint/2012/main" userId="Rezaei" providerId="None"/>
+      </p:ext>
+    </p:extLst>
+  </p:cmAuthor>
+</p:cmAuthorLst>
+</file>
+
+<file path=ppt/handoutMasters/handoutMaster1.xml><?xml version="1.0" encoding="utf-8"?>
+<p:handoutMaster xmlns:a="http://schemas.openxmlformats.org/drawingml/2006/main" xmlns:r="http://schemas.openxmlformats.org/officeDocument/2006/relationships" xmlns:p="http://schemas.openxmlformats.org/presentationml/2006/main">
+  <p:cSld>
+    <p:bg>
+      <p:bgRef idx="1001">
+        <a:schemeClr val="bg1"/>
+      </p:bgRef>
+    </p:bg>
+    <p:spTree>
+      <p:nvGrpSpPr>
+        <p:cNvPr id="1" name=""/>
+        <p:cNvGrpSpPr/>
+        <p:nvPr/>
+      </p:nvGrpSpPr>
+      <p:grpSpPr>
+        <a:xfrm>
+          <a:off x="0" y="0"/>
+          <a:ext cx="0" cy="0"/>
+          <a:chOff x="0" y="0"/>
+          <a:chExt cx="0" cy="0"/>
+        </a:xfrm>
+      </p:grpSpPr>
+      <p:sp>
+        <p:nvSpPr>
+          <p:cNvPr id="2" name="Header Placeholder 1"/>
+          <p:cNvSpPr>
+            <a:spLocks noGrp="1"/>
+          </p:cNvSpPr>
+          <p:nvPr>
+            <p:ph type="hdr" sz="quarter"/>
+          </p:nvPr>
+        </p:nvSpPr>
+        <p:spPr>
+          <a:xfrm>
+            <a:off x="0" y="0"/>
+            <a:ext cx="2971800" cy="458788"/>
+          </a:xfrm>
+          <a:prstGeom prst="rect">
+            <a:avLst/>
+          </a:prstGeom>
+        </p:spPr>
+        <p:txBody>
+          <a:bodyPr vert="horz" lIns="91440" tIns="45720" rIns="91440" bIns="45720" rtlCol="0"/>
+          <a:lstStyle>
+            <a:lvl1pPr algn="l">
+              <a:defRPr sz="1200"/>
+            </a:lvl1pPr>
+          </a:lstStyle>
+          <a:p>
+            <a:endParaRPr lang="en-US"/>
+          </a:p>
+        </p:txBody>
+      </p:sp>
+      <p:sp>
+        <p:nvSpPr>
+          <p:cNvPr id="3" name="Date Placeholder 2"/>
+          <p:cNvSpPr>
+            <a:spLocks noGrp="1"/>
+          </p:cNvSpPr>
+          <p:nvPr>
+            <p:ph type="dt" sz="quarter" idx="1"/>
+          </p:nvPr>
+        </p:nvSpPr>
+        <p:spPr>
+          <a:xfrm>
+            <a:off x="3884613" y="0"/>
+            <a:ext cx="2971800" cy="458788"/>
+          </a:xfrm>
+          <a:prstGeom prst="rect">
+            <a:avLst/>
+          </a:prstGeom>
+        </p:spPr>
+        <p:txBody>
+          <a:bodyPr vert="horz" lIns="91440" tIns="45720" rIns="91440" bIns="45720" rtlCol="0"/>
+          <a:lstStyle>
+            <a:lvl1pPr algn="r">
+              <a:defRPr sz="1200"/>
+            </a:lvl1pPr>
+          </a:lstStyle>
+          <a:p>
+            <a:fld id="{B2010D43-A136-44E7-86A0-DE5B3F626192}" type="datetimeFigureOut">
+              <a:rPr lang="en-US" smtClean="0"/>
+              <a:t>5/1/2023</a:t>
+            </a:fld>
+            <a:endParaRPr lang="en-US"/>
+          </a:p>
+        </p:txBody>
+      </p:sp>
+      <p:sp>
+        <p:nvSpPr>
+          <p:cNvPr id="4" name="Footer Placeholder 3"/>
+          <p:cNvSpPr>
+            <a:spLocks noGrp="1"/>
+          </p:cNvSpPr>
+          <p:nvPr>
+            <p:ph type="ftr" sz="quarter" idx="2"/>
+          </p:nvPr>
+        </p:nvSpPr>
+        <p:spPr>
+          <a:xfrm>
+            <a:off x="0" y="8685213"/>
+            <a:ext cx="2971800" cy="458787"/>
+          </a:xfrm>
+          <a:prstGeom prst="rect">
+            <a:avLst/>
+          </a:prstGeom>
+        </p:spPr>
+        <p:txBody>
+          <a:bodyPr vert="horz" lIns="91440" tIns="45720" rIns="91440" bIns="45720" rtlCol="0" anchor="b"/>
+          <a:lstStyle>
+            <a:lvl1pPr algn="l">
+              <a:defRPr sz="1200"/>
+            </a:lvl1pPr>
+          </a:lstStyle>
+          <a:p>
+            <a:endParaRPr lang="en-US"/>
+          </a:p>
+        </p:txBody>
+      </p:sp>
+      <p:sp>
+        <p:nvSpPr>
+          <p:cNvPr id="5" name="Slide Number Placeholder 4"/>
+          <p:cNvSpPr>
+            <a:spLocks noGrp="1"/>
+          </p:cNvSpPr>
+          <p:nvPr>
+            <p:ph type="sldNum" sz="quarter" idx="3"/>
+          </p:nvPr>
+        </p:nvSpPr>
+        <p:spPr>
+          <a:xfrm>
+            <a:off x="3884613" y="8685213"/>
+            <a:ext cx="2971800" cy="458787"/>
+          </a:xfrm>
+          <a:prstGeom prst="rect">
+            <a:avLst/>
+          </a:prstGeom>
+        </p:spPr>
+        <p:txBody>
+          <a:bodyPr vert="horz" lIns="91440" tIns="45720" rIns="91440" bIns="45720" rtlCol="0" anchor="b"/>
+          <a:lstStyle>
+            <a:lvl1pPr algn="r">
+              <a:defRPr sz="1200"/>
+            </a:lvl1pPr>
+          </a:lstStyle>
+          <a:p>
+            <a:fld id="{38E0D3B8-55C1-4E53-80A3-2860420DEC7B}" type="slidenum">
+              <a:rPr lang="en-US" smtClean="0"/>
+              <a:t>‹#›</a:t>
+            </a:fld>
+            <a:endParaRPr lang="en-US"/>
+          </a:p>
+        </p:txBody>
+      </p:sp>
+    </p:spTree>
+    <p:extLst>
+      <p:ext uri="{BB962C8B-B14F-4D97-AF65-F5344CB8AC3E}">
+        <p14:creationId xmlns:p14="http://schemas.microsoft.com/office/powerpoint/2010/main" val="3665162705"/>
+      </p:ext>
+    </p:extLst>
+  </p:cSld>
+  <p:clrMap bg1="lt1" tx1="dk1" bg2="lt2" tx2="dk2" accent1="accent1" accent2="accent2" accent3="accent3" accent4="accent4" accent5="accent5" accent6="accent6" hlink="hlink" folHlink="folHlink"/>
+  <p:hf hdr="0" ftr="0" dt="0"/>
+</p:handoutMaster>
+</file>
+
+<file path=ppt/notesMasters/notesMaster1.xml><?xml version="1.0" encoding="utf-8"?>
+<p:notesMaster xmlns:a="http://schemas.openxmlformats.org/drawingml/2006/main" xmlns:r="http://schemas.openxmlformats.org/officeDocument/2006/relationships" xmlns:p="http://schemas.openxmlformats.org/presentationml/2006/main">
+  <p:cSld>
+    <p:bg>
+      <p:bgRef idx="1001">
+        <a:schemeClr val="bg1"/>
+      </p:bgRef>
+    </p:bg>
+    <p:spTree>
+      <p:nvGrpSpPr>
+        <p:cNvPr id="1" name=""/>
+        <p:cNvGrpSpPr/>
+        <p:nvPr/>
+      </p:nvGrpSpPr>
+      <p:grpSpPr>
+        <a:xfrm>
+          <a:off x="0" y="0"/>
+          <a:ext cx="0" cy="0"/>
+          <a:chOff x="0" y="0"/>
+          <a:chExt cx="0" cy="0"/>
+        </a:xfrm>
+      </p:grpSpPr>
+      <p:sp>
+        <p:nvSpPr>
+          <p:cNvPr id="2" name="Header Placeholder 1"/>
+          <p:cNvSpPr>
+            <a:spLocks noGrp="1"/>
+          </p:cNvSpPr>
+          <p:nvPr>
+            <p:ph type="hdr" sz="quarter"/>
+          </p:nvPr>
+        </p:nvSpPr>
+        <p:spPr>
+          <a:xfrm>
+            <a:off x="0" y="0"/>
+            <a:ext cx="2971800" cy="458788"/>
+          </a:xfrm>
+          <a:prstGeom prst="rect">
+            <a:avLst/>
+          </a:prstGeom>
+        </p:spPr>
+        <p:txBody>
+          <a:bodyPr vert="horz" lIns="91440" tIns="45720" rIns="91440" bIns="45720" rtlCol="0"/>
+          <a:lstStyle>
+            <a:lvl1pPr algn="l">
+              <a:defRPr sz="1200"/>
+            </a:lvl1pPr>
+          </a:lstStyle>
+          <a:p>
+            <a:endParaRPr lang="en-US"/>
+          </a:p>
+        </p:txBody>
+      </p:sp>
+      <p:sp>
+        <p:nvSpPr>
+          <p:cNvPr id="3" name="Date Placeholder 2"/>
+          <p:cNvSpPr>
+            <a:spLocks noGrp="1"/>
+          </p:cNvSpPr>
+          <p:nvPr>
+            <p:ph type="dt" idx="1"/>
+          </p:nvPr>
+        </p:nvSpPr>
+        <p:spPr>
+          <a:xfrm>
+            <a:off x="3884613" y="0"/>
+            <a:ext cx="2971800" cy="458788"/>
+          </a:xfrm>
+          <a:prstGeom prst="rect">
+            <a:avLst/>
+          </a:prstGeom>
+        </p:spPr>
+        <p:txBody>
+          <a:bodyPr vert="horz" lIns="91440" tIns="45720" rIns="91440" bIns="45720" rtlCol="0"/>
+          <a:lstStyle>
+            <a:lvl1pPr algn="r">
+              <a:defRPr sz="1200"/>
+            </a:lvl1pPr>
+          </a:lstStyle>
+          <a:p>
+            <a:fld id="{45C3FA88-4B2B-4494-99B2-9EF0D815B47D}" type="datetimeFigureOut">
+              <a:rPr lang="en-US" smtClean="0"/>
+              <a:t>5/1/2023</a:t>
+            </a:fld>
+            <a:endParaRPr lang="en-US"/>
+          </a:p>
+        </p:txBody>
+      </p:sp>
+      <p:sp>
+        <p:nvSpPr>
+          <p:cNvPr id="4" name="Slide Image Placeholder 3"/>
+          <p:cNvSpPr>
+            <a:spLocks noGrp="1" noRot="1" noChangeAspect="1"/>
+          </p:cNvSpPr>
+          <p:nvPr>
+            <p:ph type="sldImg" idx="2"/>
+          </p:nvPr>
+        </p:nvSpPr>
+        <p:spPr>
+          <a:xfrm>
+            <a:off x="685800" y="1143000"/>
+            <a:ext cx="5486400" cy="3086100"/>
+          </a:xfrm>
+          <a:prstGeom prst="rect">
+            <a:avLst/>
+          </a:prstGeom>
+          <a:noFill/>
+          <a:ln w="12700">
+            <a:solidFill>
+              <a:prstClr val="black"/>
+            </a:solidFill>
+          </a:ln>
+        </p:spPr>
+        <p:txBody>
+          <a:bodyPr vert="horz" lIns="91440" tIns="45720" rIns="91440" bIns="45720" rtlCol="0" anchor="ctr"/>
+          <a:lstStyle/>
+          <a:p>
+            <a:endParaRPr lang="en-US"/>
+          </a:p>
+        </p:txBody>
+      </p:sp>
+      <p:sp>
+        <p:nvSpPr>
+          <p:cNvPr id="5" name="Notes Placeholder 4"/>
+          <p:cNvSpPr>
+            <a:spLocks noGrp="1"/>
+          </p:cNvSpPr>
+          <p:nvPr>
+            <p:ph type="body" sz="quarter" idx="3"/>
+          </p:nvPr>
+        </p:nvSpPr>
+        <p:spPr>
+          <a:xfrm>
+            <a:off x="685800" y="4400550"/>
+            <a:ext cx="5486400" cy="3600450"/>
+          </a:xfrm>
+          <a:prstGeom prst="rect">
+            <a:avLst/>
+          </a:prstGeom>
+        </p:spPr>
+        <p:txBody>
+          <a:bodyPr vert="horz" lIns="91440" tIns="45720" rIns="91440" bIns="45720" rtlCol="0"/>
+          <a:lstStyle/>
+          <a:p>
+            <a:pPr lvl="0"/>
+            <a:r>
+              <a:rPr lang="en-US" smtClean="0"/>
+              <a:t>Click to edit Master text styles</a:t>
+            </a:r>
+          </a:p>
+          <a:p>
+            <a:pPr lvl="1"/>
+            <a:r>
+              <a:rPr lang="en-US" smtClean="0"/>
+              <a:t>Second level</a:t>
+            </a:r>
+          </a:p>
+          <a:p>
+            <a:pPr lvl="2"/>
+            <a:r>
+              <a:rPr lang="en-US" smtClean="0"/>
+              <a:t>Third level</a:t>
+            </a:r>
+          </a:p>
+          <a:p>
+            <a:pPr lvl="3"/>
+            <a:r>
+              <a:rPr lang="en-US" smtClean="0"/>
+              <a:t>Fourth level</a:t>
+            </a:r>
+          </a:p>
+          <a:p>
+            <a:pPr lvl="4"/>
+            <a:r>
+              <a:rPr lang="en-US" smtClean="0"/>
+              <a:t>Fifth level</a:t>
+            </a:r>
+            <a:endParaRPr lang="en-US"/>
+          </a:p>
+        </p:txBody>
+      </p:sp>
+      <p:sp>
+        <p:nvSpPr>
+          <p:cNvPr id="6" name="Footer Placeholder 5"/>
+          <p:cNvSpPr>
+            <a:spLocks noGrp="1"/>
+          </p:cNvSpPr>
+          <p:nvPr>
+            <p:ph type="ftr" sz="quarter" idx="4"/>
+          </p:nvPr>
+        </p:nvSpPr>
+        <p:spPr>
+          <a:xfrm>
+            <a:off x="0" y="8685213"/>
+            <a:ext cx="2971800" cy="458787"/>
+          </a:xfrm>
+          <a:prstGeom prst="rect">
+            <a:avLst/>
+          </a:prstGeom>
+        </p:spPr>
+        <p:txBody>
+          <a:bodyPr vert="horz" lIns="91440" tIns="45720" rIns="91440" bIns="45720" rtlCol="0" anchor="b"/>
+          <a:lstStyle>
+            <a:lvl1pPr algn="l">
+              <a:defRPr sz="1200"/>
+            </a:lvl1pPr>
+          </a:lstStyle>
+          <a:p>
+            <a:endParaRPr lang="en-US"/>
+          </a:p>
+        </p:txBody>
+      </p:sp>
+      <p:sp>
+        <p:nvSpPr>
+          <p:cNvPr id="7" name="Slide Number Placeholder 6"/>
+          <p:cNvSpPr>
+            <a:spLocks noGrp="1"/>
+          </p:cNvSpPr>
+          <p:nvPr>
+            <p:ph type="sldNum" sz="quarter" idx="5"/>
+          </p:nvPr>
+        </p:nvSpPr>
+        <p:spPr>
+          <a:xfrm>
+            <a:off x="3884613" y="8685213"/>
+            <a:ext cx="2971800" cy="458787"/>
+          </a:xfrm>
+          <a:prstGeom prst="rect">
+            <a:avLst/>
+          </a:prstGeom>
+        </p:spPr>
+        <p:txBody>
+          <a:bodyPr vert="horz" lIns="91440" tIns="45720" rIns="91440" bIns="45720" rtlCol="0" anchor="b"/>
+          <a:lstStyle>
+            <a:lvl1pPr algn="r">
+              <a:defRPr sz="1200"/>
+            </a:lvl1pPr>
+          </a:lstStyle>
+          <a:p>
+            <a:fld id="{7E7B37B2-DA07-401C-9482-31B8DF4AB8CA}" type="slidenum">
+              <a:rPr lang="en-US" smtClean="0"/>
+              <a:t>‹#›</a:t>
+            </a:fld>
+            <a:endParaRPr lang="en-US"/>
+          </a:p>
+        </p:txBody>
+      </p:sp>
+    </p:spTree>
+    <p:extLst>
+      <p:ext uri="{BB962C8B-B14F-4D97-AF65-F5344CB8AC3E}">
+        <p14:creationId xmlns:p14="http://schemas.microsoft.com/office/powerpoint/2010/main" val="3676605576"/>
+      </p:ext>
+    </p:extLst>
+  </p:cSld>
+  <p:clrMap bg1="lt1" tx1="dk1" bg2="lt2" tx2="dk2" accent1="accent1" accent2="accent2" accent3="accent3" accent4="accent4" accent5="accent5" accent6="accent6" hlink="hlink" folHlink="folHlink"/>
+  <p:hf hdr="0" ftr="0" dt="0"/>
+  <p:notesStyle>
+    <a:lvl1pPr marL="0" algn="l" defTabSz="914400" rtl="0" eaLnBrk="1" latinLnBrk="0" hangingPunct="1">
+      <a:defRPr sz="1200" kern="1200">
+        <a:solidFill>
+          <a:schemeClr val="tx1"/>
+        </a:solidFill>
+        <a:latin typeface="+mn-lt"/>
+        <a:ea typeface="+mn-ea"/>
+        <a:cs typeface="+mn-cs"/>
+      </a:defRPr>
+    </a:lvl1pPr>
+    <a:lvl2pPr marL="457200" algn="l" defTabSz="914400" rtl="0" eaLnBrk="1" latinLnBrk="0" hangingPunct="1">
+      <a:defRPr sz="1200" kern="1200">
+        <a:solidFill>
+          <a:schemeClr val="tx1"/>
+        </a:solidFill>
+        <a:latin typeface="+mn-lt"/>
+        <a:ea typeface="+mn-ea"/>
+        <a:cs typeface="+mn-cs"/>
+      </a:defRPr>
+    </a:lvl2pPr>
+    <a:lvl3pPr marL="914400" algn="l" defTabSz="914400" rtl="0" eaLnBrk="1" latinLnBrk="0" hangingPunct="1">
+      <a:defRPr sz="1200" kern="1200">
+        <a:solidFill>
+          <a:schemeClr val="tx1"/>
+        </a:solidFill>
+        <a:latin typeface="+mn-lt"/>
+        <a:ea typeface="+mn-ea"/>
+        <a:cs typeface="+mn-cs"/>
+      </a:defRPr>
+    </a:lvl3pPr>
+    <a:lvl4pPr marL="1371600" algn="l" defTabSz="914400" rtl="0" eaLnBrk="1" latinLnBrk="0" hangingPunct="1">
+      <a:defRPr sz="1200" kern="1200">
+        <a:solidFill>
+          <a:schemeClr val="tx1"/>
+        </a:solidFill>
+        <a:latin typeface="+mn-lt"/>
+        <a:ea typeface="+mn-ea"/>
+        <a:cs typeface="+mn-cs"/>
+      </a:defRPr>
+    </a:lvl4pPr>
+    <a:lvl5pPr marL="1828800" algn="l" defTabSz="914400" rtl="0" eaLnBrk="1" latinLnBrk="0" hangingPunct="1">
+      <a:defRPr sz="1200" kern="1200">
+        <a:solidFill>
+          <a:schemeClr val="tx1"/>
+        </a:solidFill>
+        <a:latin typeface="+mn-lt"/>
+        <a:ea typeface="+mn-ea"/>
+        <a:cs typeface="+mn-cs"/>
+      </a:defRPr>
+    </a:lvl5pPr>
+    <a:lvl6pPr marL="2286000" algn="l" defTabSz="914400" rtl="0" eaLnBrk="1" latinLnBrk="0" hangingPunct="1">
+      <a:defRPr sz="1200" kern="1200">
+        <a:solidFill>
+          <a:schemeClr val="tx1"/>
+        </a:solidFill>
+        <a:latin typeface="+mn-lt"/>
+        <a:ea typeface="+mn-ea"/>
+        <a:cs typeface="+mn-cs"/>
+      </a:defRPr>
+    </a:lvl6pPr>
+    <a:lvl7pPr marL="2743200" algn="l" defTabSz="914400" rtl="0" eaLnBrk="1" latinLnBrk="0" hangingPunct="1">
+      <a:defRPr sz="1200" kern="1200">
+        <a:solidFill>
+          <a:schemeClr val="tx1"/>
+        </a:solidFill>
+        <a:latin typeface="+mn-lt"/>
+        <a:ea typeface="+mn-ea"/>
+        <a:cs typeface="+mn-cs"/>
+      </a:defRPr>
+    </a:lvl7pPr>
+    <a:lvl8pPr marL="3200400" algn="l" defTabSz="914400" rtl="0" eaLnBrk="1" latinLnBrk="0" hangingPunct="1">
+      <a:defRPr sz="1200" kern="1200">
+        <a:solidFill>
+          <a:schemeClr val="tx1"/>
+        </a:solidFill>
+        <a:latin typeface="+mn-lt"/>
+        <a:ea typeface="+mn-ea"/>
+        <a:cs typeface="+mn-cs"/>
+      </a:defRPr>
+    </a:lvl8pPr>
+    <a:lvl9pPr marL="3657600" algn="l" defTabSz="914400" rtl="0" eaLnBrk="1" latinLnBrk="0" hangingPunct="1">
+      <a:defRPr sz="1200" kern="1200">
+        <a:solidFill>
+          <a:schemeClr val="tx1"/>
+        </a:solidFill>
+        <a:latin typeface="+mn-lt"/>
+        <a:ea typeface="+mn-ea"/>
+        <a:cs typeface="+mn-cs"/>
+      </a:defRPr>
+    </a:lvl9pPr>
+  </p:notesStyle>
+</p:notesMaster>
+</file>
+
+<file path=ppt/notesSlides/notesSlide1.xml><?xml version="1.0" encoding="utf-8"?>
+<p:notes xmlns:a="http://schemas.openxmlformats.org/drawingml/2006/main" xmlns:r="http://schemas.openxmlformats.org/officeDocument/2006/relationships" xmlns:p="http://schemas.openxmlformats.org/presentationml/2006/main">
+  <p:cSld>
+    <p:spTree>
+      <p:nvGrpSpPr>
+        <p:cNvPr id="1" name=""/>
+        <p:cNvGrpSpPr/>
+        <p:nvPr/>
+      </p:nvGrpSpPr>
+      <p:grpSpPr>
+        <a:xfrm>
+          <a:off x="0" y="0"/>
+          <a:ext cx="0" cy="0"/>
+          <a:chOff x="0" y="0"/>
+          <a:chExt cx="0" cy="0"/>
+        </a:xfrm>
+      </p:grpSpPr>
+      <p:sp>
+        <p:nvSpPr>
+          <p:cNvPr id="2" name="Slide Image Placeholder 1"/>
+          <p:cNvSpPr>
+            <a:spLocks noGrp="1" noRot="1" noChangeAspect="1"/>
+          </p:cNvSpPr>
+          <p:nvPr>
+            <p:ph type="sldImg"/>
+          </p:nvPr>
+        </p:nvSpPr>
+        <p:spPr/>
+      </p:sp>
+      <p:sp>
+        <p:nvSpPr>
+          <p:cNvPr id="3" name="Notes Placeholder 2"/>
+          <p:cNvSpPr>
+            <a:spLocks noGrp="1"/>
+          </p:cNvSpPr>
+          <p:nvPr>
+            <p:ph type="body" idx="1"/>
+          </p:nvPr>
+        </p:nvSpPr>
+        <p:spPr/>
+        <p:txBody>
+          <a:bodyPr/>
+          <a:lstStyle/>
+          <a:p>
+            <a:endParaRPr lang="en-US"/>
+          </a:p>
+        </p:txBody>
+      </p:sp>
+      <p:sp>
+        <p:nvSpPr>
+          <p:cNvPr id="6" name="Slide Number Placeholder 5"/>
+          <p:cNvSpPr>
+            <a:spLocks noGrp="1"/>
+          </p:cNvSpPr>
+          <p:nvPr>
+            <p:ph type="sldNum" sz="quarter" idx="11"/>
+          </p:nvPr>
+        </p:nvSpPr>
+        <p:spPr/>
+        <p:txBody>
+          <a:bodyPr/>
+          <a:lstStyle/>
+          <a:p>
+            <a:fld id="{7E7B37B2-DA07-401C-9482-31B8DF4AB8CA}" type="slidenum">
+              <a:rPr lang="en-US" smtClean="0"/>
+              <a:t>1</a:t>
+            </a:fld>
+            <a:endParaRPr lang="en-US"/>
+          </a:p>
+        </p:txBody>
+      </p:sp>
+    </p:spTree>
+    <p:extLst>
+      <p:ext uri="{BB962C8B-B14F-4D97-AF65-F5344CB8AC3E}">
+        <p14:creationId xmlns:p14="http://schemas.microsoft.com/office/powerpoint/2010/main" val="274907772"/>
+      </p:ext>
+    </p:extLst>
+  </p:cSld>
+  <p:clrMapOvr>
+    <a:masterClrMapping/>
+  </p:clrMapOvr>
+</p:notes>
+</file>
+
+<file path=ppt/notesSlides/notesSlide2.xml><?xml version="1.0" encoding="utf-8"?>
+<p:notes xmlns:a="http://schemas.openxmlformats.org/drawingml/2006/main" xmlns:r="http://schemas.openxmlformats.org/officeDocument/2006/relationships" xmlns:p="http://schemas.openxmlformats.org/presentationml/2006/main">
+  <p:cSld>
+    <p:spTree>
+      <p:nvGrpSpPr>
+        <p:cNvPr id="1" name=""/>
+        <p:cNvGrpSpPr/>
+        <p:nvPr/>
+      </p:nvGrpSpPr>
+      <p:grpSpPr>
+        <a:xfrm>
+          <a:off x="0" y="0"/>
+          <a:ext cx="0" cy="0"/>
+          <a:chOff x="0" y="0"/>
+          <a:chExt cx="0" cy="0"/>
+        </a:xfrm>
+      </p:grpSpPr>
+      <p:sp>
+        <p:nvSpPr>
+          <p:cNvPr id="2" name="Slide Image Placeholder 1"/>
+          <p:cNvSpPr>
+            <a:spLocks noGrp="1" noRot="1" noChangeAspect="1"/>
+          </p:cNvSpPr>
+          <p:nvPr>
+            <p:ph type="sldImg"/>
+          </p:nvPr>
+        </p:nvSpPr>
+        <p:spPr/>
+      </p:sp>
+      <p:sp>
+        <p:nvSpPr>
+          <p:cNvPr id="3" name="Notes Placeholder 2"/>
+          <p:cNvSpPr>
+            <a:spLocks noGrp="1"/>
+          </p:cNvSpPr>
+          <p:nvPr>
+            <p:ph type="body" idx="1"/>
+          </p:nvPr>
+        </p:nvSpPr>
+        <p:spPr/>
+        <p:txBody>
+          <a:bodyPr/>
+          <a:lstStyle/>
+          <a:p>
+            <a:endParaRPr lang="en-US"/>
+          </a:p>
+        </p:txBody>
+      </p:sp>
+      <p:sp>
+        <p:nvSpPr>
+          <p:cNvPr id="6" name="Slide Number Placeholder 5"/>
+          <p:cNvSpPr>
+            <a:spLocks noGrp="1"/>
+          </p:cNvSpPr>
+          <p:nvPr>
+            <p:ph type="sldNum" sz="quarter" idx="11"/>
+          </p:nvPr>
+        </p:nvSpPr>
+        <p:spPr/>
+        <p:txBody>
+          <a:bodyPr/>
+          <a:lstStyle/>
+          <a:p>
+            <a:fld id="{7E7B37B2-DA07-401C-9482-31B8DF4AB8CA}" type="slidenum">
+              <a:rPr lang="en-US" smtClean="0"/>
+              <a:t>2</a:t>
+            </a:fld>
+            <a:endParaRPr lang="en-US"/>
+          </a:p>
+        </p:txBody>
+      </p:sp>
+    </p:spTree>
+    <p:extLst>
+      <p:ext uri="{BB962C8B-B14F-4D97-AF65-F5344CB8AC3E}">
+        <p14:creationId xmlns:p14="http://schemas.microsoft.com/office/powerpoint/2010/main" val="3787365357"/>
+      </p:ext>
+    </p:extLst>
+  </p:cSld>
+  <p:clrMapOvr>
+    <a:masterClrMapping/>
+  </p:clrMapOvr>
+</p:notes>
+</file>
+
+<file path=ppt/notesSlides/notesSlide3.xml><?xml version="1.0" encoding="utf-8"?>
+<p:notes xmlns:a="http://schemas.openxmlformats.org/drawingml/2006/main" xmlns:r="http://schemas.openxmlformats.org/officeDocument/2006/relationships" xmlns:p="http://schemas.openxmlformats.org/presentationml/2006/main">
+  <p:cSld>
+    <p:spTree>
+      <p:nvGrpSpPr>
+        <p:cNvPr id="1" name=""/>
+        <p:cNvGrpSpPr/>
+        <p:nvPr/>
+      </p:nvGrpSpPr>
+      <p:grpSpPr>
+        <a:xfrm>
+          <a:off x="0" y="0"/>
+          <a:ext cx="0" cy="0"/>
+          <a:chOff x="0" y="0"/>
+          <a:chExt cx="0" cy="0"/>
+        </a:xfrm>
+      </p:grpSpPr>
+      <p:sp>
+        <p:nvSpPr>
+          <p:cNvPr id="2" name="Slide Image Placeholder 1"/>
+          <p:cNvSpPr>
+            <a:spLocks noGrp="1" noRot="1" noChangeAspect="1"/>
+          </p:cNvSpPr>
+          <p:nvPr>
+            <p:ph type="sldImg"/>
+          </p:nvPr>
+        </p:nvSpPr>
+        <p:spPr/>
+      </p:sp>
+      <p:sp>
+        <p:nvSpPr>
+          <p:cNvPr id="3" name="Notes Placeholder 2"/>
+          <p:cNvSpPr>
+            <a:spLocks noGrp="1"/>
+          </p:cNvSpPr>
+          <p:nvPr>
+            <p:ph type="body" idx="1"/>
+          </p:nvPr>
+        </p:nvSpPr>
+        <p:spPr/>
+        <p:txBody>
+          <a:bodyPr/>
+          <a:lstStyle/>
+          <a:p>
+            <a:endParaRPr lang="en-US"/>
+          </a:p>
+        </p:txBody>
+      </p:sp>
+      <p:sp>
+        <p:nvSpPr>
+          <p:cNvPr id="6" name="Slide Number Placeholder 5"/>
+          <p:cNvSpPr>
+            <a:spLocks noGrp="1"/>
+          </p:cNvSpPr>
+          <p:nvPr>
+            <p:ph type="sldNum" sz="quarter" idx="11"/>
+          </p:nvPr>
+        </p:nvSpPr>
+        <p:spPr/>
+        <p:txBody>
+          <a:bodyPr/>
+          <a:lstStyle/>
+          <a:p>
+            <a:fld id="{7E7B37B2-DA07-401C-9482-31B8DF4AB8CA}" type="slidenum">
+              <a:rPr lang="en-US" smtClean="0"/>
+              <a:t>13</a:t>
+            </a:fld>
+            <a:endParaRPr lang="en-US"/>
+          </a:p>
+        </p:txBody>
+      </p:sp>
+    </p:spTree>
+    <p:extLst>
+      <p:ext uri="{BB962C8B-B14F-4D97-AF65-F5344CB8AC3E}">
+        <p14:creationId xmlns:p14="http://schemas.microsoft.com/office/powerpoint/2010/main" val="575579559"/>
+      </p:ext>
+    </p:extLst>
+  </p:cSld>
+  <p:clrMapOvr>
+    <a:masterClrMapping/>
+  </p:clrMapOvr>
+</p:notes>
+</file>
+
 <file path=ppt/slideLayouts/slideLayout1.xml><?xml version="1.0" encoding="utf-8"?>
 <p:sldLayout xmlns:a="http://schemas.openxmlformats.org/drawingml/2006/main" xmlns:r="http://schemas.openxmlformats.org/officeDocument/2006/relationships" xmlns:p="http://schemas.openxmlformats.org/presentationml/2006/main" type="title" preserve="1">
   <p:cSld name="Title Slide">
@@ -199,7 +986,7 @@
               <a:rPr lang="en-US" smtClean="0"/>
               <a:t>Click to edit Master title style</a:t>
             </a:r>
-            <a:endParaRPr lang="en-US" dirty="0"/>
+            <a:endParaRPr lang="en-US"/>
           </a:p>
         </p:txBody>
       </p:sp>
@@ -264,7 +1051,7 @@
               <a:rPr lang="en-US" smtClean="0"/>
               <a:t>Click to edit Master subtitle style</a:t>
             </a:r>
-            <a:endParaRPr lang="en-US" dirty="0"/>
+            <a:endParaRPr lang="en-US"/>
           </a:p>
         </p:txBody>
       </p:sp>
@@ -283,7 +1070,7 @@
           <a:bodyPr/>
           <a:lstStyle/>
           <a:p>
-            <a:fld id="{48D211D4-2E3B-4C44-912B-1105F60C9EBD}" type="datetimeFigureOut">
+            <a:fld id="{87E82E32-FEC0-42C1-A14E-F3D29042A71E}" type="datetime1">
               <a:rPr lang="en-US" smtClean="0"/>
               <a:t>5/1/2023</a:t>
             </a:fld>
@@ -336,7 +1123,7 @@
     </p:spTree>
     <p:extLst>
       <p:ext uri="{BB962C8B-B14F-4D97-AF65-F5344CB8AC3E}">
-        <p14:creationId xmlns:p14="http://schemas.microsoft.com/office/powerpoint/2010/main" val="706323687"/>
+        <p14:creationId xmlns:p14="http://schemas.microsoft.com/office/powerpoint/2010/main" val="2641471761"/>
       </p:ext>
     </p:extLst>
   </p:cSld>
@@ -382,7 +1169,7 @@
               <a:rPr lang="en-US" smtClean="0"/>
               <a:t>Click to edit Master title style</a:t>
             </a:r>
-            <a:endParaRPr lang="en-US" dirty="0"/>
+            <a:endParaRPr lang="en-US"/>
           </a:p>
         </p:txBody>
       </p:sp>
@@ -434,7 +1221,7 @@
               <a:rPr lang="en-US" smtClean="0"/>
               <a:t>Fifth level</a:t>
             </a:r>
-            <a:endParaRPr lang="en-US" dirty="0"/>
+            <a:endParaRPr lang="en-US"/>
           </a:p>
         </p:txBody>
       </p:sp>
@@ -453,7 +1240,7 @@
           <a:bodyPr/>
           <a:lstStyle/>
           <a:p>
-            <a:fld id="{48D211D4-2E3B-4C44-912B-1105F60C9EBD}" type="datetimeFigureOut">
+            <a:fld id="{00528208-0BE1-4287-9162-84D1EBA3F725}" type="datetime1">
               <a:rPr lang="en-US" smtClean="0"/>
               <a:t>5/1/2023</a:t>
             </a:fld>
@@ -506,7 +1293,7 @@
     </p:spTree>
     <p:extLst>
       <p:ext uri="{BB962C8B-B14F-4D97-AF65-F5344CB8AC3E}">
-        <p14:creationId xmlns:p14="http://schemas.microsoft.com/office/powerpoint/2010/main" val="3111606364"/>
+        <p14:creationId xmlns:p14="http://schemas.microsoft.com/office/powerpoint/2010/main" val="3351808660"/>
       </p:ext>
     </p:extLst>
   </p:cSld>
@@ -545,7 +1332,7 @@
         </p:nvSpPr>
         <p:spPr>
           <a:xfrm>
-            <a:off x="8724901" y="365125"/>
+            <a:off x="8724900" y="365125"/>
             <a:ext cx="2628900" cy="5811838"/>
           </a:xfrm>
         </p:spPr>
@@ -557,7 +1344,7 @@
               <a:rPr lang="en-US" smtClean="0"/>
               <a:t>Click to edit Master title style</a:t>
             </a:r>
-            <a:endParaRPr lang="en-US" dirty="0"/>
+            <a:endParaRPr lang="en-US"/>
           </a:p>
         </p:txBody>
       </p:sp>
@@ -573,7 +1360,7 @@
         </p:nvSpPr>
         <p:spPr>
           <a:xfrm>
-            <a:off x="838201" y="365125"/>
+            <a:off x="838200" y="365125"/>
             <a:ext cx="7734300" cy="5811838"/>
           </a:xfrm>
         </p:spPr>
@@ -614,7 +1401,7 @@
               <a:rPr lang="en-US" smtClean="0"/>
               <a:t>Fifth level</a:t>
             </a:r>
-            <a:endParaRPr lang="en-US" dirty="0"/>
+            <a:endParaRPr lang="en-US"/>
           </a:p>
         </p:txBody>
       </p:sp>
@@ -633,7 +1420,7 @@
           <a:bodyPr/>
           <a:lstStyle/>
           <a:p>
-            <a:fld id="{48D211D4-2E3B-4C44-912B-1105F60C9EBD}" type="datetimeFigureOut">
+            <a:fld id="{76F2A07D-9D01-40D6-A6A9-E7C363DFDBA4}" type="datetime1">
               <a:rPr lang="en-US" smtClean="0"/>
               <a:t>5/1/2023</a:t>
             </a:fld>
@@ -686,7 +1473,7 @@
     </p:spTree>
     <p:extLst>
       <p:ext uri="{BB962C8B-B14F-4D97-AF65-F5344CB8AC3E}">
-        <p14:creationId xmlns:p14="http://schemas.microsoft.com/office/powerpoint/2010/main" val="2638456706"/>
+        <p14:creationId xmlns:p14="http://schemas.microsoft.com/office/powerpoint/2010/main" val="1127692585"/>
       </p:ext>
     </p:extLst>
   </p:cSld>
@@ -732,7 +1519,7 @@
               <a:rPr lang="en-US" smtClean="0"/>
               <a:t>Click to edit Master title style</a:t>
             </a:r>
-            <a:endParaRPr lang="en-US" dirty="0"/>
+            <a:endParaRPr lang="en-US"/>
           </a:p>
         </p:txBody>
       </p:sp>
@@ -784,7 +1571,7 @@
               <a:rPr lang="en-US" smtClean="0"/>
               <a:t>Fifth level</a:t>
             </a:r>
-            <a:endParaRPr lang="en-US" dirty="0"/>
+            <a:endParaRPr lang="en-US"/>
           </a:p>
         </p:txBody>
       </p:sp>
@@ -803,7 +1590,7 @@
           <a:bodyPr/>
           <a:lstStyle/>
           <a:p>
-            <a:fld id="{48D211D4-2E3B-4C44-912B-1105F60C9EBD}" type="datetimeFigureOut">
+            <a:fld id="{182CB9F6-2F96-48F5-A4FB-36A66916569A}" type="datetime1">
               <a:rPr lang="en-US" smtClean="0"/>
               <a:t>5/1/2023</a:t>
             </a:fld>
@@ -856,7 +1643,7 @@
     </p:spTree>
     <p:extLst>
       <p:ext uri="{BB962C8B-B14F-4D97-AF65-F5344CB8AC3E}">
-        <p14:creationId xmlns:p14="http://schemas.microsoft.com/office/powerpoint/2010/main" val="1749200607"/>
+        <p14:creationId xmlns:p14="http://schemas.microsoft.com/office/powerpoint/2010/main" val="1431495602"/>
       </p:ext>
     </p:extLst>
   </p:cSld>
@@ -895,7 +1682,7 @@
         </p:nvSpPr>
         <p:spPr>
           <a:xfrm>
-            <a:off x="831851" y="1709740"/>
+            <a:off x="831850" y="1709738"/>
             <a:ext cx="10515600" cy="2852737"/>
           </a:xfrm>
         </p:spPr>
@@ -911,7 +1698,7 @@
               <a:rPr lang="en-US" smtClean="0"/>
               <a:t>Click to edit Master title style</a:t>
             </a:r>
-            <a:endParaRPr lang="en-US" dirty="0"/>
+            <a:endParaRPr lang="en-US"/>
           </a:p>
         </p:txBody>
       </p:sp>
@@ -927,7 +1714,7 @@
         </p:nvSpPr>
         <p:spPr>
           <a:xfrm>
-            <a:off x="831851" y="4589465"/>
+            <a:off x="831850" y="4589463"/>
             <a:ext cx="10515600" cy="1500187"/>
           </a:xfrm>
         </p:spPr>
@@ -1049,7 +1836,7 @@
           <a:bodyPr/>
           <a:lstStyle/>
           <a:p>
-            <a:fld id="{48D211D4-2E3B-4C44-912B-1105F60C9EBD}" type="datetimeFigureOut">
+            <a:fld id="{7AC4954E-6F1B-4C52-AD81-D0F5247327AF}" type="datetime1">
               <a:rPr lang="en-US" smtClean="0"/>
               <a:t>5/1/2023</a:t>
             </a:fld>
@@ -1102,7 +1889,7 @@
     </p:spTree>
     <p:extLst>
       <p:ext uri="{BB962C8B-B14F-4D97-AF65-F5344CB8AC3E}">
-        <p14:creationId xmlns:p14="http://schemas.microsoft.com/office/powerpoint/2010/main" val="3252398211"/>
+        <p14:creationId xmlns:p14="http://schemas.microsoft.com/office/powerpoint/2010/main" val="3606387562"/>
       </p:ext>
     </p:extLst>
   </p:cSld>
@@ -1148,7 +1935,7 @@
               <a:rPr lang="en-US" smtClean="0"/>
               <a:t>Click to edit Master title style</a:t>
             </a:r>
-            <a:endParaRPr lang="en-US" dirty="0"/>
+            <a:endParaRPr lang="en-US"/>
           </a:p>
         </p:txBody>
       </p:sp>
@@ -1205,7 +1992,7 @@
               <a:rPr lang="en-US" smtClean="0"/>
               <a:t>Fifth level</a:t>
             </a:r>
-            <a:endParaRPr lang="en-US" dirty="0"/>
+            <a:endParaRPr lang="en-US"/>
           </a:p>
         </p:txBody>
       </p:sp>
@@ -1262,7 +2049,7 @@
               <a:rPr lang="en-US" smtClean="0"/>
               <a:t>Fifth level</a:t>
             </a:r>
-            <a:endParaRPr lang="en-US" dirty="0"/>
+            <a:endParaRPr lang="en-US"/>
           </a:p>
         </p:txBody>
       </p:sp>
@@ -1281,7 +2068,7 @@
           <a:bodyPr/>
           <a:lstStyle/>
           <a:p>
-            <a:fld id="{48D211D4-2E3B-4C44-912B-1105F60C9EBD}" type="datetimeFigureOut">
+            <a:fld id="{4A5246E4-2005-465B-AE7F-AD4BE7C02A86}" type="datetime1">
               <a:rPr lang="en-US" smtClean="0"/>
               <a:t>5/1/2023</a:t>
             </a:fld>
@@ -1334,7 +2121,7 @@
     </p:spTree>
     <p:extLst>
       <p:ext uri="{BB962C8B-B14F-4D97-AF65-F5344CB8AC3E}">
-        <p14:creationId xmlns:p14="http://schemas.microsoft.com/office/powerpoint/2010/main" val="1994933853"/>
+        <p14:creationId xmlns:p14="http://schemas.microsoft.com/office/powerpoint/2010/main" val="3199210882"/>
       </p:ext>
     </p:extLst>
   </p:cSld>
@@ -1373,7 +2160,7 @@
         </p:nvSpPr>
         <p:spPr>
           <a:xfrm>
-            <a:off x="839788" y="365127"/>
+            <a:off x="839788" y="365125"/>
             <a:ext cx="10515600" cy="1325563"/>
           </a:xfrm>
         </p:spPr>
@@ -1385,7 +2172,7 @@
               <a:rPr lang="en-US" smtClean="0"/>
               <a:t>Click to edit Master title style</a:t>
             </a:r>
-            <a:endParaRPr lang="en-US" dirty="0"/>
+            <a:endParaRPr lang="en-US"/>
           </a:p>
         </p:txBody>
       </p:sp>
@@ -1401,7 +2188,7 @@
         </p:nvSpPr>
         <p:spPr>
           <a:xfrm>
-            <a:off x="839789" y="1681163"/>
+            <a:off x="839788" y="1681163"/>
             <a:ext cx="5157787" cy="823912"/>
           </a:xfrm>
         </p:spPr>
@@ -1466,7 +2253,7 @@
         </p:nvSpPr>
         <p:spPr>
           <a:xfrm>
-            <a:off x="839789" y="2505075"/>
+            <a:off x="839788" y="2505075"/>
             <a:ext cx="5157787" cy="3684588"/>
           </a:xfrm>
         </p:spPr>
@@ -1507,7 +2294,7 @@
               <a:rPr lang="en-US" smtClean="0"/>
               <a:t>Fifth level</a:t>
             </a:r>
-            <a:endParaRPr lang="en-US" dirty="0"/>
+            <a:endParaRPr lang="en-US"/>
           </a:p>
         </p:txBody>
       </p:sp>
@@ -1523,7 +2310,7 @@
         </p:nvSpPr>
         <p:spPr>
           <a:xfrm>
-            <a:off x="6172201" y="1681163"/>
+            <a:off x="6172200" y="1681163"/>
             <a:ext cx="5183188" cy="823912"/>
           </a:xfrm>
         </p:spPr>
@@ -1588,7 +2375,7 @@
         </p:nvSpPr>
         <p:spPr>
           <a:xfrm>
-            <a:off x="6172201" y="2505075"/>
+            <a:off x="6172200" y="2505075"/>
             <a:ext cx="5183188" cy="3684588"/>
           </a:xfrm>
         </p:spPr>
@@ -1629,7 +2416,7 @@
               <a:rPr lang="en-US" smtClean="0"/>
               <a:t>Fifth level</a:t>
             </a:r>
-            <a:endParaRPr lang="en-US" dirty="0"/>
+            <a:endParaRPr lang="en-US"/>
           </a:p>
         </p:txBody>
       </p:sp>
@@ -1648,7 +2435,7 @@
           <a:bodyPr/>
           <a:lstStyle/>
           <a:p>
-            <a:fld id="{48D211D4-2E3B-4C44-912B-1105F60C9EBD}" type="datetimeFigureOut">
+            <a:fld id="{D9161080-309E-449A-85E2-79D6B0FD4370}" type="datetime1">
               <a:rPr lang="en-US" smtClean="0"/>
               <a:t>5/1/2023</a:t>
             </a:fld>
@@ -1701,7 +2488,7 @@
     </p:spTree>
     <p:extLst>
       <p:ext uri="{BB962C8B-B14F-4D97-AF65-F5344CB8AC3E}">
-        <p14:creationId xmlns:p14="http://schemas.microsoft.com/office/powerpoint/2010/main" val="268758753"/>
+        <p14:creationId xmlns:p14="http://schemas.microsoft.com/office/powerpoint/2010/main" val="1275266074"/>
       </p:ext>
     </p:extLst>
   </p:cSld>
@@ -1747,7 +2534,7 @@
               <a:rPr lang="en-US" smtClean="0"/>
               <a:t>Click to edit Master title style</a:t>
             </a:r>
-            <a:endParaRPr lang="en-US" dirty="0"/>
+            <a:endParaRPr lang="en-US"/>
           </a:p>
         </p:txBody>
       </p:sp>
@@ -1766,7 +2553,7 @@
           <a:bodyPr/>
           <a:lstStyle/>
           <a:p>
-            <a:fld id="{48D211D4-2E3B-4C44-912B-1105F60C9EBD}" type="datetimeFigureOut">
+            <a:fld id="{53524403-5325-4662-B429-2D63B87FFD1D}" type="datetime1">
               <a:rPr lang="en-US" smtClean="0"/>
               <a:t>5/1/2023</a:t>
             </a:fld>
@@ -1819,7 +2606,7 @@
     </p:spTree>
     <p:extLst>
       <p:ext uri="{BB962C8B-B14F-4D97-AF65-F5344CB8AC3E}">
-        <p14:creationId xmlns:p14="http://schemas.microsoft.com/office/powerpoint/2010/main" val="3506151093"/>
+        <p14:creationId xmlns:p14="http://schemas.microsoft.com/office/powerpoint/2010/main" val="4109256720"/>
       </p:ext>
     </p:extLst>
   </p:cSld>
@@ -1861,7 +2648,7 @@
           <a:bodyPr/>
           <a:lstStyle/>
           <a:p>
-            <a:fld id="{48D211D4-2E3B-4C44-912B-1105F60C9EBD}" type="datetimeFigureOut">
+            <a:fld id="{72121028-545A-4386-9F38-625CBD47E050}" type="datetime1">
               <a:rPr lang="en-US" smtClean="0"/>
               <a:t>5/1/2023</a:t>
             </a:fld>
@@ -1914,7 +2701,7 @@
     </p:spTree>
     <p:extLst>
       <p:ext uri="{BB962C8B-B14F-4D97-AF65-F5344CB8AC3E}">
-        <p14:creationId xmlns:p14="http://schemas.microsoft.com/office/powerpoint/2010/main" val="665634076"/>
+        <p14:creationId xmlns:p14="http://schemas.microsoft.com/office/powerpoint/2010/main" val="1332226758"/>
       </p:ext>
     </p:extLst>
   </p:cSld>
@@ -1969,7 +2756,7 @@
               <a:rPr lang="en-US" smtClean="0"/>
               <a:t>Click to edit Master title style</a:t>
             </a:r>
-            <a:endParaRPr lang="en-US" dirty="0"/>
+            <a:endParaRPr lang="en-US"/>
           </a:p>
         </p:txBody>
       </p:sp>
@@ -1985,7 +2772,7 @@
         </p:nvSpPr>
         <p:spPr>
           <a:xfrm>
-            <a:off x="5183188" y="987427"/>
+            <a:off x="5183188" y="987425"/>
             <a:ext cx="6172200" cy="4873625"/>
           </a:xfrm>
         </p:spPr>
@@ -2054,7 +2841,7 @@
               <a:rPr lang="en-US" smtClean="0"/>
               <a:t>Fifth level</a:t>
             </a:r>
-            <a:endParaRPr lang="en-US" dirty="0"/>
+            <a:endParaRPr lang="en-US"/>
           </a:p>
         </p:txBody>
       </p:sp>
@@ -2138,7 +2925,7 @@
           <a:bodyPr/>
           <a:lstStyle/>
           <a:p>
-            <a:fld id="{48D211D4-2E3B-4C44-912B-1105F60C9EBD}" type="datetimeFigureOut">
+            <a:fld id="{574EFA61-AF9C-4205-B014-81A46A489553}" type="datetime1">
               <a:rPr lang="en-US" smtClean="0"/>
               <a:t>5/1/2023</a:t>
             </a:fld>
@@ -2191,7 +2978,7 @@
     </p:spTree>
     <p:extLst>
       <p:ext uri="{BB962C8B-B14F-4D97-AF65-F5344CB8AC3E}">
-        <p14:creationId xmlns:p14="http://schemas.microsoft.com/office/powerpoint/2010/main" val="2669647540"/>
+        <p14:creationId xmlns:p14="http://schemas.microsoft.com/office/powerpoint/2010/main" val="859443091"/>
       </p:ext>
     </p:extLst>
   </p:cSld>
@@ -2246,7 +3033,7 @@
               <a:rPr lang="en-US" smtClean="0"/>
               <a:t>Click to edit Master title style</a:t>
             </a:r>
-            <a:endParaRPr lang="en-US" dirty="0"/>
+            <a:endParaRPr lang="en-US"/>
           </a:p>
         </p:txBody>
       </p:sp>
@@ -2254,7 +3041,7 @@
         <p:nvSpPr>
           <p:cNvPr id="3" name="Picture Placeholder 2"/>
           <p:cNvSpPr>
-            <a:spLocks noGrp="1" noChangeAspect="1"/>
+            <a:spLocks noGrp="1"/>
           </p:cNvSpPr>
           <p:nvPr>
             <p:ph type="pic" idx="1"/>
@@ -2262,12 +3049,12 @@
         </p:nvSpPr>
         <p:spPr>
           <a:xfrm>
-            <a:off x="5183188" y="987427"/>
+            <a:off x="5183188" y="987425"/>
             <a:ext cx="6172200" cy="4873625"/>
           </a:xfrm>
         </p:spPr>
         <p:txBody>
-          <a:bodyPr anchor="t"/>
+          <a:bodyPr/>
           <a:lstStyle>
             <a:lvl1pPr marL="0" indent="0">
               <a:buNone/>
@@ -2307,11 +3094,7 @@
             </a:lvl9pPr>
           </a:lstStyle>
           <a:p>
-            <a:r>
-              <a:rPr lang="en-US" smtClean="0"/>
-              <a:t>Click icon to add picture</a:t>
-            </a:r>
-            <a:endParaRPr lang="en-US" dirty="0"/>
+            <a:endParaRPr lang="en-US"/>
           </a:p>
         </p:txBody>
       </p:sp>
@@ -2395,7 +3178,7 @@
           <a:bodyPr/>
           <a:lstStyle/>
           <a:p>
-            <a:fld id="{48D211D4-2E3B-4C44-912B-1105F60C9EBD}" type="datetimeFigureOut">
+            <a:fld id="{3EA027A0-878D-46D6-AE81-A1C44D341AE1}" type="datetime1">
               <a:rPr lang="en-US" smtClean="0"/>
               <a:t>5/1/2023</a:t>
             </a:fld>
@@ -2448,7 +3231,7 @@
     </p:spTree>
     <p:extLst>
       <p:ext uri="{BB962C8B-B14F-4D97-AF65-F5344CB8AC3E}">
-        <p14:creationId xmlns:p14="http://schemas.microsoft.com/office/powerpoint/2010/main" val="1380374778"/>
+        <p14:creationId xmlns:p14="http://schemas.microsoft.com/office/powerpoint/2010/main" val="3504587261"/>
       </p:ext>
     </p:extLst>
   </p:cSld>
@@ -2492,7 +3275,7 @@
         </p:nvSpPr>
         <p:spPr>
           <a:xfrm>
-            <a:off x="838200" y="365127"/>
+            <a:off x="838200" y="365125"/>
             <a:ext cx="10515600" cy="1325563"/>
           </a:xfrm>
           <a:prstGeom prst="rect">
@@ -2509,7 +3292,7 @@
               <a:rPr lang="en-US" smtClean="0"/>
               <a:t>Click to edit Master title style</a:t>
             </a:r>
-            <a:endParaRPr lang="en-US" dirty="0"/>
+            <a:endParaRPr lang="en-US"/>
           </a:p>
         </p:txBody>
       </p:sp>
@@ -2571,7 +3354,7 @@
               <a:rPr lang="en-US" smtClean="0"/>
               <a:t>Fifth level</a:t>
             </a:r>
-            <a:endParaRPr lang="en-US" dirty="0"/>
+            <a:endParaRPr lang="en-US"/>
           </a:p>
         </p:txBody>
       </p:sp>
@@ -2587,7 +3370,7 @@
         </p:nvSpPr>
         <p:spPr>
           <a:xfrm>
-            <a:off x="838200" y="6356352"/>
+            <a:off x="838200" y="6356350"/>
             <a:ext cx="2743200" cy="365125"/>
           </a:xfrm>
           <a:prstGeom prst="rect">
@@ -2608,7 +3391,7 @@
             </a:lvl1pPr>
           </a:lstStyle>
           <a:p>
-            <a:fld id="{48D211D4-2E3B-4C44-912B-1105F60C9EBD}" type="datetimeFigureOut">
+            <a:fld id="{DE26A74A-A82D-462F-94B3-DF405FE69635}" type="datetime1">
               <a:rPr lang="en-US" smtClean="0"/>
               <a:t>5/1/2023</a:t>
             </a:fld>
@@ -2628,7 +3411,7 @@
         </p:nvSpPr>
         <p:spPr>
           <a:xfrm>
-            <a:off x="4038600" y="6356352"/>
+            <a:off x="4038600" y="6356350"/>
             <a:ext cx="4114800" cy="365125"/>
           </a:xfrm>
           <a:prstGeom prst="rect">
@@ -2665,7 +3448,7 @@
         </p:nvSpPr>
         <p:spPr>
           <a:xfrm>
-            <a:off x="8610600" y="6356352"/>
+            <a:off x="8610600" y="6356350"/>
             <a:ext cx="2743200" cy="365125"/>
           </a:xfrm>
           <a:prstGeom prst="rect">
@@ -2697,24 +3480,25 @@
     </p:spTree>
     <p:extLst>
       <p:ext uri="{BB962C8B-B14F-4D97-AF65-F5344CB8AC3E}">
-        <p14:creationId xmlns:p14="http://schemas.microsoft.com/office/powerpoint/2010/main" val="2363938075"/>
+        <p14:creationId xmlns:p14="http://schemas.microsoft.com/office/powerpoint/2010/main" val="2034032270"/>
       </p:ext>
     </p:extLst>
   </p:cSld>
   <p:clrMap bg1="lt1" tx1="dk1" bg2="lt2" tx2="dk2" accent1="accent1" accent2="accent2" accent3="accent3" accent4="accent4" accent5="accent5" accent6="accent6" hlink="hlink" folHlink="folHlink"/>
   <p:sldLayoutIdLst>
-    <p:sldLayoutId id="2147483685" r:id="rId1"/>
-    <p:sldLayoutId id="2147483686" r:id="rId2"/>
-    <p:sldLayoutId id="2147483687" r:id="rId3"/>
-    <p:sldLayoutId id="2147483688" r:id="rId4"/>
-    <p:sldLayoutId id="2147483689" r:id="rId5"/>
-    <p:sldLayoutId id="2147483690" r:id="rId6"/>
-    <p:sldLayoutId id="2147483691" r:id="rId7"/>
-    <p:sldLayoutId id="2147483692" r:id="rId8"/>
-    <p:sldLayoutId id="2147483693" r:id="rId9"/>
-    <p:sldLayoutId id="2147483694" r:id="rId10"/>
-    <p:sldLayoutId id="2147483695" r:id="rId11"/>
+    <p:sldLayoutId id="2147483714" r:id="rId1"/>
+    <p:sldLayoutId id="2147483715" r:id="rId2"/>
+    <p:sldLayoutId id="2147483716" r:id="rId3"/>
+    <p:sldLayoutId id="2147483717" r:id="rId4"/>
+    <p:sldLayoutId id="2147483718" r:id="rId5"/>
+    <p:sldLayoutId id="2147483719" r:id="rId6"/>
+    <p:sldLayoutId id="2147483720" r:id="rId7"/>
+    <p:sldLayoutId id="2147483721" r:id="rId8"/>
+    <p:sldLayoutId id="2147483722" r:id="rId9"/>
+    <p:sldLayoutId id="2147483723" r:id="rId10"/>
+    <p:sldLayoutId id="2147483724" r:id="rId11"/>
   </p:sldLayoutIdLst>
+  <p:hf hdr="0" ftr="0" dt="0"/>
   <p:txStyles>
     <p:titleStyle>
       <a:lvl1pPr algn="l" defTabSz="914400" rtl="0" eaLnBrk="1" latinLnBrk="0" hangingPunct="1">
@@ -3024,7 +3808,7 @@
           <p:nvPr/>
         </p:nvPicPr>
         <p:blipFill>
-          <a:blip r:embed="rId2">
+          <a:blip r:embed="rId3">
             <a:extLst>
               <a:ext uri="{28A0092B-C50C-407E-A947-70E740481C1C}">
                 <a14:useLocalDpi xmlns:a14="http://schemas.microsoft.com/office/drawing/2010/main" val="0"/>
@@ -3156,6 +3940,29 @@
           </a:p>
         </p:txBody>
       </p:sp>
+      <p:sp>
+        <p:nvSpPr>
+          <p:cNvPr id="3" name="Slide Number Placeholder 2"/>
+          <p:cNvSpPr>
+            <a:spLocks noGrp="1"/>
+          </p:cNvSpPr>
+          <p:nvPr>
+            <p:ph type="sldNum" sz="quarter" idx="12"/>
+          </p:nvPr>
+        </p:nvSpPr>
+        <p:spPr/>
+        <p:txBody>
+          <a:bodyPr/>
+          <a:lstStyle/>
+          <a:p>
+            <a:fld id="{81C3169C-C2F4-4114-809E-8D218DA81166}" type="slidenum">
+              <a:rPr lang="en-US" smtClean="0"/>
+              <a:t>1</a:t>
+            </a:fld>
+            <a:endParaRPr lang="en-US"/>
+          </a:p>
+        </p:txBody>
+      </p:sp>
     </p:spTree>
     <p:extLst>
       <p:ext uri="{BB962C8B-B14F-4D97-AF65-F5344CB8AC3E}">
@@ -3166,6 +3973,9 @@
   <p:clrMapOvr>
     <a:masterClrMapping/>
   </p:clrMapOvr>
+  <p:transition spd="slow">
+    <p:push dir="u"/>
+  </p:transition>
   <p:timing>
     <p:tnLst>
       <p:par>
@@ -3272,8 +4082,8 @@
           </a:p>
         </p:txBody>
       </p:sp>
-      <mc:AlternateContent xmlns:mc="http://schemas.openxmlformats.org/markup-compatibility/2006">
-        <mc:Choice xmlns:a14="http://schemas.microsoft.com/office/drawing/2010/main" Requires="a14">
+      <mc:AlternateContent xmlns:mc="http://schemas.openxmlformats.org/markup-compatibility/2006" xmlns:a14="http://schemas.microsoft.com/office/drawing/2010/main">
+        <mc:Choice Requires="a14">
           <p:sp>
             <p:nvSpPr>
               <p:cNvPr id="6" name="Rectangle 5"/>
@@ -3354,7 +4164,7 @@
             </p:txBody>
           </p:sp>
         </mc:Choice>
-        <mc:Fallback>
+        <mc:Fallback xmlns="">
           <p:sp>
             <p:nvSpPr>
               <p:cNvPr id="6" name="Rectangle 5"/>
@@ -3393,8 +4203,8 @@
           </p:sp>
         </mc:Fallback>
       </mc:AlternateContent>
-      <mc:AlternateContent xmlns:mc="http://schemas.openxmlformats.org/markup-compatibility/2006">
-        <mc:Choice xmlns:a14="http://schemas.microsoft.com/office/drawing/2010/main" Requires="a14">
+      <mc:AlternateContent xmlns:mc="http://schemas.openxmlformats.org/markup-compatibility/2006" xmlns:a14="http://schemas.microsoft.com/office/drawing/2010/main">
+        <mc:Choice Requires="a14">
           <p:sp>
             <p:nvSpPr>
               <p:cNvPr id="7" name="Rectangle 6"/>
@@ -3475,7 +4285,7 @@
             </p:txBody>
           </p:sp>
         </mc:Choice>
-        <mc:Fallback>
+        <mc:Fallback xmlns="">
           <p:sp>
             <p:nvSpPr>
               <p:cNvPr id="7" name="Rectangle 6"/>
@@ -3583,8 +4393,8 @@
           </a:p>
         </p:txBody>
       </p:sp>
-      <mc:AlternateContent xmlns:mc="http://schemas.openxmlformats.org/markup-compatibility/2006">
-        <mc:Choice xmlns:a14="http://schemas.microsoft.com/office/drawing/2010/main" Requires="a14">
+      <mc:AlternateContent xmlns:mc="http://schemas.openxmlformats.org/markup-compatibility/2006" xmlns:a14="http://schemas.microsoft.com/office/drawing/2010/main">
+        <mc:Choice Requires="a14">
           <p:sp>
             <p:nvSpPr>
               <p:cNvPr id="10" name="Rectangle 9"/>
@@ -3646,7 +4456,7 @@
             </p:txBody>
           </p:sp>
         </mc:Choice>
-        <mc:Fallback>
+        <mc:Fallback xmlns="">
           <p:sp>
             <p:nvSpPr>
               <p:cNvPr id="10" name="Rectangle 9"/>
@@ -3685,8 +4495,8 @@
           </p:sp>
         </mc:Fallback>
       </mc:AlternateContent>
-      <mc:AlternateContent xmlns:mc="http://schemas.openxmlformats.org/markup-compatibility/2006">
-        <mc:Choice xmlns:a14="http://schemas.microsoft.com/office/drawing/2010/main" Requires="a14">
+      <mc:AlternateContent xmlns:mc="http://schemas.openxmlformats.org/markup-compatibility/2006" xmlns:a14="http://schemas.microsoft.com/office/drawing/2010/main">
+        <mc:Choice Requires="a14">
           <p:sp>
             <p:nvSpPr>
               <p:cNvPr id="11" name="Rectangle 10"/>
@@ -3748,7 +4558,7 @@
             </p:txBody>
           </p:sp>
         </mc:Choice>
-        <mc:Fallback>
+        <mc:Fallback xmlns="">
           <p:sp>
             <p:nvSpPr>
               <p:cNvPr id="11" name="Rectangle 10"/>
@@ -3787,8 +4597,8 @@
           </p:sp>
         </mc:Fallback>
       </mc:AlternateContent>
-      <mc:AlternateContent xmlns:mc="http://schemas.openxmlformats.org/markup-compatibility/2006">
-        <mc:Choice xmlns:a14="http://schemas.microsoft.com/office/drawing/2010/main" Requires="a14">
+      <mc:AlternateContent xmlns:mc="http://schemas.openxmlformats.org/markup-compatibility/2006" xmlns:a14="http://schemas.microsoft.com/office/drawing/2010/main">
+        <mc:Choice Requires="a14">
           <p:sp>
             <p:nvSpPr>
               <p:cNvPr id="12" name="Rectangle 11"/>
@@ -3831,7 +4641,7 @@
             </p:txBody>
           </p:sp>
         </mc:Choice>
-        <mc:Fallback>
+        <mc:Fallback xmlns="">
           <p:sp>
             <p:nvSpPr>
               <p:cNvPr id="12" name="Rectangle 11"/>
@@ -3870,8 +4680,8 @@
           </p:sp>
         </mc:Fallback>
       </mc:AlternateContent>
-      <mc:AlternateContent xmlns:mc="http://schemas.openxmlformats.org/markup-compatibility/2006">
-        <mc:Choice xmlns:a14="http://schemas.microsoft.com/office/drawing/2010/main" Requires="a14">
+      <mc:AlternateContent xmlns:mc="http://schemas.openxmlformats.org/markup-compatibility/2006" xmlns:a14="http://schemas.microsoft.com/office/drawing/2010/main">
+        <mc:Choice Requires="a14">
           <p:sp>
             <p:nvSpPr>
               <p:cNvPr id="13" name="Rectangle 12"/>
@@ -3914,7 +4724,7 @@
             </p:txBody>
           </p:sp>
         </mc:Choice>
-        <mc:Fallback>
+        <mc:Fallback xmlns="">
           <p:sp>
             <p:nvSpPr>
               <p:cNvPr id="13" name="Rectangle 12"/>
@@ -3953,8 +4763,8 @@
           </p:sp>
         </mc:Fallback>
       </mc:AlternateContent>
-      <mc:AlternateContent xmlns:mc="http://schemas.openxmlformats.org/markup-compatibility/2006">
-        <mc:Choice xmlns:a14="http://schemas.microsoft.com/office/drawing/2010/main" Requires="a14">
+      <mc:AlternateContent xmlns:mc="http://schemas.openxmlformats.org/markup-compatibility/2006" xmlns:a14="http://schemas.microsoft.com/office/drawing/2010/main">
+        <mc:Choice Requires="a14">
           <p:sp>
             <p:nvSpPr>
               <p:cNvPr id="14" name="Rectangle 13"/>
@@ -3997,7 +4807,7 @@
             </p:txBody>
           </p:sp>
         </mc:Choice>
-        <mc:Fallback>
+        <mc:Fallback xmlns="">
           <p:sp>
             <p:nvSpPr>
               <p:cNvPr id="14" name="Rectangle 13"/>
@@ -4174,6 +4984,29 @@
           </a:p>
         </p:txBody>
       </p:sp>
+      <p:sp>
+        <p:nvSpPr>
+          <p:cNvPr id="3" name="Slide Number Placeholder 2"/>
+          <p:cNvSpPr>
+            <a:spLocks noGrp="1"/>
+          </p:cNvSpPr>
+          <p:nvPr>
+            <p:ph type="sldNum" sz="quarter" idx="12"/>
+          </p:nvPr>
+        </p:nvSpPr>
+        <p:spPr/>
+        <p:txBody>
+          <a:bodyPr/>
+          <a:lstStyle/>
+          <a:p>
+            <a:fld id="{81C3169C-C2F4-4114-809E-8D218DA81166}" type="slidenum">
+              <a:rPr lang="en-US" smtClean="0"/>
+              <a:t>10</a:t>
+            </a:fld>
+            <a:endParaRPr lang="en-US"/>
+          </a:p>
+        </p:txBody>
+      </p:sp>
     </p:spTree>
     <p:extLst>
       <p:ext uri="{BB962C8B-B14F-4D97-AF65-F5344CB8AC3E}">
@@ -4184,6 +5017,9 @@
   <p:clrMapOvr>
     <a:masterClrMapping/>
   </p:clrMapOvr>
+  <p:transition spd="slow">
+    <p:push dir="u"/>
+  </p:transition>
   <p:timing>
     <p:tnLst>
       <p:par>
@@ -4603,6 +5439,29 @@
           </a:p>
         </p:txBody>
       </p:sp>
+      <p:sp>
+        <p:nvSpPr>
+          <p:cNvPr id="3" name="Slide Number Placeholder 2"/>
+          <p:cNvSpPr>
+            <a:spLocks noGrp="1"/>
+          </p:cNvSpPr>
+          <p:nvPr>
+            <p:ph type="sldNum" sz="quarter" idx="12"/>
+          </p:nvPr>
+        </p:nvSpPr>
+        <p:spPr/>
+        <p:txBody>
+          <a:bodyPr/>
+          <a:lstStyle/>
+          <a:p>
+            <a:fld id="{81C3169C-C2F4-4114-809E-8D218DA81166}" type="slidenum">
+              <a:rPr lang="en-US" smtClean="0"/>
+              <a:t>11</a:t>
+            </a:fld>
+            <a:endParaRPr lang="en-US"/>
+          </a:p>
+        </p:txBody>
+      </p:sp>
     </p:spTree>
     <p:extLst>
       <p:ext uri="{BB962C8B-B14F-4D97-AF65-F5344CB8AC3E}">
@@ -4613,6 +5472,9 @@
   <p:clrMapOvr>
     <a:masterClrMapping/>
   </p:clrMapOvr>
+  <p:transition spd="slow">
+    <p:push dir="u"/>
+  </p:transition>
   <p:timing>
     <p:tnLst>
       <p:par>
@@ -4888,6 +5750,29 @@
           </a:prstGeom>
         </p:spPr>
       </p:pic>
+      <p:sp>
+        <p:nvSpPr>
+          <p:cNvPr id="3" name="Slide Number Placeholder 2"/>
+          <p:cNvSpPr>
+            <a:spLocks noGrp="1"/>
+          </p:cNvSpPr>
+          <p:nvPr>
+            <p:ph type="sldNum" sz="quarter" idx="12"/>
+          </p:nvPr>
+        </p:nvSpPr>
+        <p:spPr/>
+        <p:txBody>
+          <a:bodyPr/>
+          <a:lstStyle/>
+          <a:p>
+            <a:fld id="{81C3169C-C2F4-4114-809E-8D218DA81166}" type="slidenum">
+              <a:rPr lang="en-US" smtClean="0"/>
+              <a:t>12</a:t>
+            </a:fld>
+            <a:endParaRPr lang="en-US"/>
+          </a:p>
+        </p:txBody>
+      </p:sp>
     </p:spTree>
     <p:extLst>
       <p:ext uri="{BB962C8B-B14F-4D97-AF65-F5344CB8AC3E}">
@@ -4898,6 +5783,9 @@
   <p:clrMapOvr>
     <a:masterClrMapping/>
   </p:clrMapOvr>
+  <p:transition spd="slow">
+    <p:push dir="u"/>
+  </p:transition>
   <p:timing>
     <p:tnLst>
       <p:par>
@@ -4980,126 +5868,6 @@
           <p:nvPr/>
         </p:nvPicPr>
         <p:blipFill>
-          <a:blip r:embed="rId2">
-            <a:extLst>
-              <a:ext uri="{28A0092B-C50C-407E-A947-70E740481C1C}">
-                <a14:useLocalDpi xmlns:a14="http://schemas.microsoft.com/office/drawing/2010/main" val="0"/>
-              </a:ext>
-            </a:extLst>
-          </a:blip>
-          <a:stretch>
-            <a:fillRect/>
-          </a:stretch>
-        </p:blipFill>
-        <p:spPr>
-          <a:xfrm>
-            <a:off x="4200283" y="674132"/>
-            <a:ext cx="3486637" cy="914528"/>
-          </a:xfrm>
-          <a:prstGeom prst="rect">
-            <a:avLst/>
-          </a:prstGeom>
-        </p:spPr>
-      </p:pic>
-      <p:sp>
-        <p:nvSpPr>
-          <p:cNvPr id="6" name="TextBox 5"/>
-          <p:cNvSpPr txBox="1"/>
-          <p:nvPr/>
-        </p:nvSpPr>
-        <p:spPr>
-          <a:xfrm>
-            <a:off x="279400" y="1778000"/>
-            <a:ext cx="11696700" cy="646331"/>
-          </a:xfrm>
-          <a:prstGeom prst="rect">
-            <a:avLst/>
-          </a:prstGeom>
-          <a:noFill/>
-        </p:spPr>
-        <p:txBody>
-          <a:bodyPr wrap="square" rtlCol="0">
-            <a:spAutoFit/>
-          </a:bodyPr>
-          <a:lstStyle/>
-          <a:p>
-            <a:r>
-              <a:rPr lang="en-US" dirty="0" smtClean="0">
-                <a:latin typeface="Andalus" panose="02020603050405020304" pitchFamily="18" charset="-78"/>
-                <a:cs typeface="Andalus" panose="02020603050405020304" pitchFamily="18" charset="-78"/>
-              </a:rPr>
-              <a:t>    The </a:t>
-            </a:r>
-            <a:r>
-              <a:rPr lang="en-US" dirty="0">
-                <a:latin typeface="Andalus" panose="02020603050405020304" pitchFamily="18" charset="-78"/>
-                <a:cs typeface="Andalus" panose="02020603050405020304" pitchFamily="18" charset="-78"/>
-              </a:rPr>
-              <a:t>terms         in Equation (6.58) are known as </a:t>
-            </a:r>
-            <a:r>
-              <a:rPr lang="en-US" dirty="0" err="1">
-                <a:latin typeface="Andalus" panose="02020603050405020304" pitchFamily="18" charset="-78"/>
-                <a:cs typeface="Andalus" panose="02020603050405020304" pitchFamily="18" charset="-78"/>
-              </a:rPr>
-              <a:t>Christoffel</a:t>
-            </a:r>
-            <a:r>
-              <a:rPr lang="en-US" dirty="0">
-                <a:latin typeface="Andalus" panose="02020603050405020304" pitchFamily="18" charset="-78"/>
-                <a:cs typeface="Andalus" panose="02020603050405020304" pitchFamily="18" charset="-78"/>
-              </a:rPr>
-              <a:t> symbols (of the first kind). Note that, for a fixed k, we have</a:t>
-            </a:r>
-          </a:p>
-          <a:p>
-            <a:r>
-              <a:rPr lang="en-US" dirty="0">
-                <a:latin typeface="Andalus" panose="02020603050405020304" pitchFamily="18" charset="-78"/>
-                <a:cs typeface="Andalus" panose="02020603050405020304" pitchFamily="18" charset="-78"/>
-              </a:rPr>
-              <a:t> </a:t>
-            </a:r>
-            <a:r>
-              <a:rPr lang="en-US" dirty="0" err="1">
-                <a:latin typeface="Andalus" panose="02020603050405020304" pitchFamily="18" charset="-78"/>
-                <a:cs typeface="Andalus" panose="02020603050405020304" pitchFamily="18" charset="-78"/>
-              </a:rPr>
-              <a:t>cijk</a:t>
-            </a:r>
-            <a:r>
-              <a:rPr lang="en-US" dirty="0">
-                <a:latin typeface="Andalus" panose="02020603050405020304" pitchFamily="18" charset="-78"/>
-                <a:cs typeface="Andalus" panose="02020603050405020304" pitchFamily="18" charset="-78"/>
-              </a:rPr>
-              <a:t> = </a:t>
-            </a:r>
-            <a:r>
-              <a:rPr lang="en-US" dirty="0" err="1">
-                <a:latin typeface="Andalus" panose="02020603050405020304" pitchFamily="18" charset="-78"/>
-                <a:cs typeface="Andalus" panose="02020603050405020304" pitchFamily="18" charset="-78"/>
-              </a:rPr>
-              <a:t>cjik</a:t>
-            </a:r>
-            <a:r>
-              <a:rPr lang="en-US" dirty="0">
-                <a:latin typeface="Andalus" panose="02020603050405020304" pitchFamily="18" charset="-78"/>
-                <a:cs typeface="Andalus" panose="02020603050405020304" pitchFamily="18" charset="-78"/>
-              </a:rPr>
-              <a:t>, which reduces the effort involved in computing these symbols by a factor of about one half. Finally, if we define:</a:t>
-            </a:r>
-          </a:p>
-        </p:txBody>
-      </p:sp>
-      <p:pic>
-        <p:nvPicPr>
-          <p:cNvPr id="11" name="Picture 10"/>
-          <p:cNvPicPr>
-            <a:picLocks noChangeAspect="1"/>
-          </p:cNvPicPr>
-          <p:nvPr/>
-        </p:nvPicPr>
-        <p:blipFill>
           <a:blip r:embed="rId3">
             <a:extLst>
               <a:ext uri="{28A0092B-C50C-407E-A947-70E740481C1C}">
@@ -5113,8 +5881,8 @@
         </p:blipFill>
         <p:spPr>
           <a:xfrm>
-            <a:off x="374650" y="2067509"/>
-            <a:ext cx="982547" cy="344312"/>
+            <a:off x="4200283" y="674132"/>
+            <a:ext cx="3486637" cy="914528"/>
           </a:xfrm>
           <a:prstGeom prst="rect">
             <a:avLst/>
@@ -5123,14 +5891,14 @@
       </p:pic>
       <p:sp>
         <p:nvSpPr>
-          <p:cNvPr id="13" name="TextBox 12"/>
+          <p:cNvPr id="6" name="TextBox 5"/>
           <p:cNvSpPr txBox="1"/>
           <p:nvPr/>
         </p:nvSpPr>
         <p:spPr>
           <a:xfrm>
-            <a:off x="374650" y="3490093"/>
-            <a:ext cx="5689600" cy="369332"/>
+            <a:off x="279400" y="1778000"/>
+            <a:ext cx="11696700" cy="646331"/>
           </a:xfrm>
           <a:prstGeom prst="rect">
             <a:avLst/>
@@ -5148,21 +5916,86 @@
                 <a:latin typeface="Andalus" panose="02020603050405020304" pitchFamily="18" charset="-78"/>
                 <a:cs typeface="Andalus" panose="02020603050405020304" pitchFamily="18" charset="-78"/>
               </a:rPr>
-              <a:t>    then </a:t>
+              <a:t>    The </a:t>
             </a:r>
             <a:r>
               <a:rPr lang="en-US" dirty="0">
                 <a:latin typeface="Andalus" panose="02020603050405020304" pitchFamily="18" charset="-78"/>
                 <a:cs typeface="Andalus" panose="02020603050405020304" pitchFamily="18" charset="-78"/>
               </a:rPr>
-              <a:t>we can write the Euler-Lagrange equations as:</a:t>
+              <a:t>terms         </a:t>
+            </a:r>
+            <a:r>
+              <a:rPr lang="en-US" dirty="0" smtClean="0">
+                <a:latin typeface="Andalus" panose="02020603050405020304" pitchFamily="18" charset="-78"/>
+                <a:cs typeface="Andalus" panose="02020603050405020304" pitchFamily="18" charset="-78"/>
+              </a:rPr>
+              <a:t>are </a:t>
+            </a:r>
+            <a:r>
+              <a:rPr lang="en-US" dirty="0">
+                <a:latin typeface="Andalus" panose="02020603050405020304" pitchFamily="18" charset="-78"/>
+                <a:cs typeface="Andalus" panose="02020603050405020304" pitchFamily="18" charset="-78"/>
+              </a:rPr>
+              <a:t>known as </a:t>
+            </a:r>
+            <a:r>
+              <a:rPr lang="en-US" dirty="0" err="1">
+                <a:latin typeface="Andalus" panose="02020603050405020304" pitchFamily="18" charset="-78"/>
+                <a:cs typeface="Andalus" panose="02020603050405020304" pitchFamily="18" charset="-78"/>
+              </a:rPr>
+              <a:t>Christoffel</a:t>
+            </a:r>
+            <a:r>
+              <a:rPr lang="en-US" dirty="0">
+                <a:latin typeface="Andalus" panose="02020603050405020304" pitchFamily="18" charset="-78"/>
+                <a:cs typeface="Andalus" panose="02020603050405020304" pitchFamily="18" charset="-78"/>
+              </a:rPr>
+              <a:t> symbols (of the first kind). Note that, for a fixed k, we have</a:t>
+            </a:r>
+          </a:p>
+          <a:p>
+            <a:r>
+              <a:rPr lang="en-US" dirty="0">
+                <a:latin typeface="Andalus" panose="02020603050405020304" pitchFamily="18" charset="-78"/>
+                <a:cs typeface="Andalus" panose="02020603050405020304" pitchFamily="18" charset="-78"/>
+              </a:rPr>
+              <a:t> </a:t>
+            </a:r>
+            <a:r>
+              <a:rPr lang="en-US" dirty="0" err="1">
+                <a:latin typeface="Andalus" panose="02020603050405020304" pitchFamily="18" charset="-78"/>
+                <a:cs typeface="Andalus" panose="02020603050405020304" pitchFamily="18" charset="-78"/>
+              </a:rPr>
+              <a:t>cijk</a:t>
+            </a:r>
+            <a:r>
+              <a:rPr lang="en-US" dirty="0">
+                <a:latin typeface="Andalus" panose="02020603050405020304" pitchFamily="18" charset="-78"/>
+                <a:cs typeface="Andalus" panose="02020603050405020304" pitchFamily="18" charset="-78"/>
+              </a:rPr>
+              <a:t> = </a:t>
+            </a:r>
+            <a:r>
+              <a:rPr lang="en-US" dirty="0" err="1">
+                <a:latin typeface="Andalus" panose="02020603050405020304" pitchFamily="18" charset="-78"/>
+                <a:cs typeface="Andalus" panose="02020603050405020304" pitchFamily="18" charset="-78"/>
+              </a:rPr>
+              <a:t>cjik</a:t>
+            </a:r>
+            <a:r>
+              <a:rPr lang="en-US" dirty="0">
+                <a:latin typeface="Andalus" panose="02020603050405020304" pitchFamily="18" charset="-78"/>
+                <a:cs typeface="Andalus" panose="02020603050405020304" pitchFamily="18" charset="-78"/>
+              </a:rPr>
+              <a:t>, which reduces the effort involved in computing these symbols by a factor of about one half. Finally, if we define:</a:t>
             </a:r>
           </a:p>
         </p:txBody>
       </p:sp>
       <p:pic>
         <p:nvPicPr>
-          <p:cNvPr id="14" name="Picture 13"/>
+          <p:cNvPr id="11" name="Picture 10"/>
           <p:cNvPicPr>
             <a:picLocks noChangeAspect="1"/>
           </p:cNvPicPr>
@@ -5182,8 +6015,8 @@
         </p:blipFill>
         <p:spPr>
           <a:xfrm>
-            <a:off x="2825298" y="3942232"/>
-            <a:ext cx="6477904" cy="828791"/>
+            <a:off x="374650" y="2067509"/>
+            <a:ext cx="982547" cy="344312"/>
           </a:xfrm>
           <a:prstGeom prst="rect">
             <a:avLst/>
@@ -5192,14 +6025,14 @@
       </p:pic>
       <p:sp>
         <p:nvSpPr>
-          <p:cNvPr id="15" name="TextBox 14"/>
+          <p:cNvPr id="13" name="TextBox 12"/>
           <p:cNvSpPr txBox="1"/>
           <p:nvPr/>
         </p:nvSpPr>
         <p:spPr>
           <a:xfrm>
-            <a:off x="374650" y="4853831"/>
-            <a:ext cx="3968750" cy="369332"/>
+            <a:off x="374650" y="3490093"/>
+            <a:ext cx="5689600" cy="369332"/>
           </a:xfrm>
           <a:prstGeom prst="rect">
             <a:avLst/>
@@ -5217,21 +6050,21 @@
                 <a:latin typeface="Andalus" panose="02020603050405020304" pitchFamily="18" charset="-78"/>
                 <a:cs typeface="Andalus" panose="02020603050405020304" pitchFamily="18" charset="-78"/>
               </a:rPr>
-              <a:t>    In </a:t>
+              <a:t>    then </a:t>
             </a:r>
             <a:r>
               <a:rPr lang="en-US" dirty="0">
                 <a:latin typeface="Andalus" panose="02020603050405020304" pitchFamily="18" charset="-78"/>
                 <a:cs typeface="Andalus" panose="02020603050405020304" pitchFamily="18" charset="-78"/>
               </a:rPr>
-              <a:t>matrix form:</a:t>
+              <a:t>we can write the Euler-Lagrange equations as:</a:t>
             </a:r>
           </a:p>
         </p:txBody>
       </p:sp>
       <p:pic>
         <p:nvPicPr>
-          <p:cNvPr id="2" name="Picture 1"/>
+          <p:cNvPr id="14" name="Picture 13"/>
           <p:cNvPicPr>
             <a:picLocks noChangeAspect="1"/>
           </p:cNvPicPr>
@@ -5251,17 +6084,56 @@
         </p:blipFill>
         <p:spPr>
           <a:xfrm>
-            <a:off x="5387882" y="2613673"/>
-            <a:ext cx="1352739" cy="895475"/>
+            <a:off x="2825298" y="3942232"/>
+            <a:ext cx="6477904" cy="828791"/>
           </a:xfrm>
           <a:prstGeom prst="rect">
             <a:avLst/>
           </a:prstGeom>
         </p:spPr>
       </p:pic>
+      <p:sp>
+        <p:nvSpPr>
+          <p:cNvPr id="15" name="TextBox 14"/>
+          <p:cNvSpPr txBox="1"/>
+          <p:nvPr/>
+        </p:nvSpPr>
+        <p:spPr>
+          <a:xfrm>
+            <a:off x="374650" y="4853831"/>
+            <a:ext cx="3968750" cy="369332"/>
+          </a:xfrm>
+          <a:prstGeom prst="rect">
+            <a:avLst/>
+          </a:prstGeom>
+          <a:noFill/>
+        </p:spPr>
+        <p:txBody>
+          <a:bodyPr wrap="square" rtlCol="0">
+            <a:spAutoFit/>
+          </a:bodyPr>
+          <a:lstStyle/>
+          <a:p>
+            <a:r>
+              <a:rPr lang="en-US" dirty="0" smtClean="0">
+                <a:latin typeface="Andalus" panose="02020603050405020304" pitchFamily="18" charset="-78"/>
+                <a:cs typeface="Andalus" panose="02020603050405020304" pitchFamily="18" charset="-78"/>
+              </a:rPr>
+              <a:t>    In </a:t>
+            </a:r>
+            <a:r>
+              <a:rPr lang="en-US" dirty="0">
+                <a:latin typeface="Andalus" panose="02020603050405020304" pitchFamily="18" charset="-78"/>
+                <a:cs typeface="Andalus" panose="02020603050405020304" pitchFamily="18" charset="-78"/>
+              </a:rPr>
+              <a:t>matrix form:</a:t>
+            </a:r>
+          </a:p>
+        </p:txBody>
+      </p:sp>
       <p:pic>
         <p:nvPicPr>
-          <p:cNvPr id="3" name="Picture 2"/>
+          <p:cNvPr id="2" name="Picture 1"/>
           <p:cNvPicPr>
             <a:picLocks noChangeAspect="1"/>
           </p:cNvPicPr>
@@ -5281,8 +6153,8 @@
         </p:blipFill>
         <p:spPr>
           <a:xfrm>
-            <a:off x="4133598" y="5420557"/>
-            <a:ext cx="3620005" cy="352474"/>
+            <a:off x="5387882" y="2613673"/>
+            <a:ext cx="1352739" cy="895475"/>
           </a:xfrm>
           <a:prstGeom prst="rect">
             <a:avLst/>
@@ -5291,7 +6163,7 @@
       </p:pic>
       <p:pic>
         <p:nvPicPr>
-          <p:cNvPr id="8" name="Picture 7"/>
+          <p:cNvPr id="3" name="Picture 2"/>
           <p:cNvPicPr>
             <a:picLocks noChangeAspect="1"/>
           </p:cNvPicPr>
@@ -5311,6 +6183,36 @@
         </p:blipFill>
         <p:spPr>
           <a:xfrm>
+            <a:off x="4133598" y="5420557"/>
+            <a:ext cx="3620005" cy="352474"/>
+          </a:xfrm>
+          <a:prstGeom prst="rect">
+            <a:avLst/>
+          </a:prstGeom>
+        </p:spPr>
+      </p:pic>
+      <p:pic>
+        <p:nvPicPr>
+          <p:cNvPr id="8" name="Picture 7"/>
+          <p:cNvPicPr>
+            <a:picLocks noChangeAspect="1"/>
+          </p:cNvPicPr>
+          <p:nvPr/>
+        </p:nvPicPr>
+        <p:blipFill>
+          <a:blip r:embed="rId8">
+            <a:extLst>
+              <a:ext uri="{28A0092B-C50C-407E-A947-70E740481C1C}">
+                <a14:useLocalDpi xmlns:a14="http://schemas.microsoft.com/office/drawing/2010/main" val="0"/>
+              </a:ext>
+            </a:extLst>
+          </a:blip>
+          <a:stretch>
+            <a:fillRect/>
+          </a:stretch>
+        </p:blipFill>
+        <p:spPr>
+          <a:xfrm>
             <a:off x="1597203" y="1815257"/>
             <a:ext cx="345897" cy="311308"/>
           </a:xfrm>
@@ -5319,6 +6221,29 @@
           </a:prstGeom>
         </p:spPr>
       </p:pic>
+      <p:sp>
+        <p:nvSpPr>
+          <p:cNvPr id="9" name="Slide Number Placeholder 8"/>
+          <p:cNvSpPr>
+            <a:spLocks noGrp="1"/>
+          </p:cNvSpPr>
+          <p:nvPr>
+            <p:ph type="sldNum" sz="quarter" idx="12"/>
+          </p:nvPr>
+        </p:nvSpPr>
+        <p:spPr/>
+        <p:txBody>
+          <a:bodyPr/>
+          <a:lstStyle/>
+          <a:p>
+            <a:fld id="{81C3169C-C2F4-4114-809E-8D218DA81166}" type="slidenum">
+              <a:rPr lang="en-US" smtClean="0"/>
+              <a:t>13</a:t>
+            </a:fld>
+            <a:endParaRPr lang="en-US"/>
+          </a:p>
+        </p:txBody>
+      </p:sp>
     </p:spTree>
     <p:extLst>
       <p:ext uri="{BB962C8B-B14F-4D97-AF65-F5344CB8AC3E}">
@@ -5329,6 +6254,9 @@
   <p:clrMapOvr>
     <a:masterClrMapping/>
   </p:clrMapOvr>
+  <p:transition spd="slow">
+    <p:push dir="u"/>
+  </p:transition>
   <p:timing>
     <p:tnLst>
       <p:par>
@@ -5665,6 +6593,29 @@
           </a:p>
         </p:txBody>
       </p:sp>
+      <p:sp>
+        <p:nvSpPr>
+          <p:cNvPr id="10" name="Slide Number Placeholder 9"/>
+          <p:cNvSpPr>
+            <a:spLocks noGrp="1"/>
+          </p:cNvSpPr>
+          <p:nvPr>
+            <p:ph type="sldNum" sz="quarter" idx="12"/>
+          </p:nvPr>
+        </p:nvSpPr>
+        <p:spPr/>
+        <p:txBody>
+          <a:bodyPr/>
+          <a:lstStyle/>
+          <a:p>
+            <a:fld id="{81C3169C-C2F4-4114-809E-8D218DA81166}" type="slidenum">
+              <a:rPr lang="en-US" smtClean="0"/>
+              <a:t>14</a:t>
+            </a:fld>
+            <a:endParaRPr lang="en-US"/>
+          </a:p>
+        </p:txBody>
+      </p:sp>
     </p:spTree>
     <p:extLst>
       <p:ext uri="{BB962C8B-B14F-4D97-AF65-F5344CB8AC3E}">
@@ -5675,6 +6626,9 @@
   <p:clrMapOvr>
     <a:masterClrMapping/>
   </p:clrMapOvr>
+  <p:transition spd="slow">
+    <p:push dir="u"/>
+  </p:transition>
   <p:timing>
     <p:tnLst>
       <p:par>
@@ -5974,6 +6928,29 @@
           </a:prstGeom>
         </p:spPr>
       </p:pic>
+      <p:sp>
+        <p:nvSpPr>
+          <p:cNvPr id="3" name="Slide Number Placeholder 2"/>
+          <p:cNvSpPr>
+            <a:spLocks noGrp="1"/>
+          </p:cNvSpPr>
+          <p:nvPr>
+            <p:ph type="sldNum" sz="quarter" idx="12"/>
+          </p:nvPr>
+        </p:nvSpPr>
+        <p:spPr/>
+        <p:txBody>
+          <a:bodyPr/>
+          <a:lstStyle/>
+          <a:p>
+            <a:fld id="{81C3169C-C2F4-4114-809E-8D218DA81166}" type="slidenum">
+              <a:rPr lang="en-US" smtClean="0"/>
+              <a:t>15</a:t>
+            </a:fld>
+            <a:endParaRPr lang="en-US"/>
+          </a:p>
+        </p:txBody>
+      </p:sp>
     </p:spTree>
     <p:extLst>
       <p:ext uri="{BB962C8B-B14F-4D97-AF65-F5344CB8AC3E}">
@@ -5984,6 +6961,9 @@
   <p:clrMapOvr>
     <a:masterClrMapping/>
   </p:clrMapOvr>
+  <p:transition spd="slow">
+    <p:push dir="u"/>
+  </p:transition>
   <p:timing>
     <p:tnLst>
       <p:par>
@@ -6163,10 +7143,29 @@
               </a:rPr>
               <a:t>Hence:</a:t>
             </a:r>
-            <a:endParaRPr lang="en-US" dirty="0">
-              <a:latin typeface="Andalus" panose="02020603050405020304" pitchFamily="18" charset="-78"/>
-              <a:cs typeface="Andalus" panose="02020603050405020304" pitchFamily="18" charset="-78"/>
-            </a:endParaRPr>
+          </a:p>
+        </p:txBody>
+      </p:sp>
+      <p:sp>
+        <p:nvSpPr>
+          <p:cNvPr id="8" name="Slide Number Placeholder 7"/>
+          <p:cNvSpPr>
+            <a:spLocks noGrp="1"/>
+          </p:cNvSpPr>
+          <p:nvPr>
+            <p:ph type="sldNum" sz="quarter" idx="12"/>
+          </p:nvPr>
+        </p:nvSpPr>
+        <p:spPr/>
+        <p:txBody>
+          <a:bodyPr/>
+          <a:lstStyle/>
+          <a:p>
+            <a:fld id="{81C3169C-C2F4-4114-809E-8D218DA81166}" type="slidenum">
+              <a:rPr lang="en-US" smtClean="0"/>
+              <a:t>16</a:t>
+            </a:fld>
+            <a:endParaRPr lang="en-US"/>
           </a:p>
         </p:txBody>
       </p:sp>
@@ -6180,6 +7179,9 @@
   <p:clrMapOvr>
     <a:masterClrMapping/>
   </p:clrMapOvr>
+  <p:transition spd="slow">
+    <p:push dir="u"/>
+  </p:transition>
   <p:timing>
     <p:tnLst>
       <p:par>
@@ -6562,6 +7564,29 @@
           </a:prstGeom>
         </p:spPr>
       </p:pic>
+      <p:sp>
+        <p:nvSpPr>
+          <p:cNvPr id="3" name="Slide Number Placeholder 2"/>
+          <p:cNvSpPr>
+            <a:spLocks noGrp="1"/>
+          </p:cNvSpPr>
+          <p:nvPr>
+            <p:ph type="sldNum" sz="quarter" idx="12"/>
+          </p:nvPr>
+        </p:nvSpPr>
+        <p:spPr/>
+        <p:txBody>
+          <a:bodyPr/>
+          <a:lstStyle/>
+          <a:p>
+            <a:fld id="{81C3169C-C2F4-4114-809E-8D218DA81166}" type="slidenum">
+              <a:rPr lang="en-US" smtClean="0"/>
+              <a:t>17</a:t>
+            </a:fld>
+            <a:endParaRPr lang="en-US"/>
+          </a:p>
+        </p:txBody>
+      </p:sp>
     </p:spTree>
     <p:extLst>
       <p:ext uri="{BB962C8B-B14F-4D97-AF65-F5344CB8AC3E}">
@@ -6572,6 +7597,9 @@
   <p:clrMapOvr>
     <a:masterClrMapping/>
   </p:clrMapOvr>
+  <p:transition spd="slow">
+    <p:push dir="u"/>
+  </p:transition>
   <p:timing>
     <p:tnLst>
       <p:par>
@@ -6787,6 +7815,29 @@
           </a:prstGeom>
         </p:spPr>
       </p:pic>
+      <p:sp>
+        <p:nvSpPr>
+          <p:cNvPr id="3" name="Slide Number Placeholder 2"/>
+          <p:cNvSpPr>
+            <a:spLocks noGrp="1"/>
+          </p:cNvSpPr>
+          <p:nvPr>
+            <p:ph type="sldNum" sz="quarter" idx="12"/>
+          </p:nvPr>
+        </p:nvSpPr>
+        <p:spPr/>
+        <p:txBody>
+          <a:bodyPr/>
+          <a:lstStyle/>
+          <a:p>
+            <a:fld id="{81C3169C-C2F4-4114-809E-8D218DA81166}" type="slidenum">
+              <a:rPr lang="en-US" smtClean="0"/>
+              <a:t>18</a:t>
+            </a:fld>
+            <a:endParaRPr lang="en-US"/>
+          </a:p>
+        </p:txBody>
+      </p:sp>
     </p:spTree>
     <p:extLst>
       <p:ext uri="{BB962C8B-B14F-4D97-AF65-F5344CB8AC3E}">
@@ -6797,6 +7848,9 @@
   <p:clrMapOvr>
     <a:masterClrMapping/>
   </p:clrMapOvr>
+  <p:transition spd="slow">
+    <p:push dir="u"/>
+  </p:transition>
   <p:timing>
     <p:tnLst>
       <p:par>
@@ -7150,6 +8204,29 @@
           </a:prstGeom>
         </p:spPr>
       </p:pic>
+      <p:sp>
+        <p:nvSpPr>
+          <p:cNvPr id="3" name="Slide Number Placeholder 2"/>
+          <p:cNvSpPr>
+            <a:spLocks noGrp="1"/>
+          </p:cNvSpPr>
+          <p:nvPr>
+            <p:ph type="sldNum" sz="quarter" idx="12"/>
+          </p:nvPr>
+        </p:nvSpPr>
+        <p:spPr/>
+        <p:txBody>
+          <a:bodyPr/>
+          <a:lstStyle/>
+          <a:p>
+            <a:fld id="{81C3169C-C2F4-4114-809E-8D218DA81166}" type="slidenum">
+              <a:rPr lang="en-US" smtClean="0"/>
+              <a:t>19</a:t>
+            </a:fld>
+            <a:endParaRPr lang="en-US"/>
+          </a:p>
+        </p:txBody>
+      </p:sp>
     </p:spTree>
     <p:extLst>
       <p:ext uri="{BB962C8B-B14F-4D97-AF65-F5344CB8AC3E}">
@@ -7160,6 +8237,9 @@
   <p:clrMapOvr>
     <a:masterClrMapping/>
   </p:clrMapOvr>
+  <p:transition spd="slow">
+    <p:push dir="u"/>
+  </p:transition>
   <p:timing>
     <p:tnLst>
       <p:par>
@@ -7529,7 +8609,7 @@
           <p:nvPr/>
         </p:nvPicPr>
         <p:blipFill>
-          <a:blip r:embed="rId2">
+          <a:blip r:embed="rId3">
             <a:extLst>
               <a:ext uri="{28A0092B-C50C-407E-A947-70E740481C1C}">
                 <a14:useLocalDpi xmlns:a14="http://schemas.microsoft.com/office/drawing/2010/main" val="0"/>
@@ -7550,6 +8630,29 @@
           </a:prstGeom>
         </p:spPr>
       </p:pic>
+      <p:sp>
+        <p:nvSpPr>
+          <p:cNvPr id="6" name="Slide Number Placeholder 5"/>
+          <p:cNvSpPr>
+            <a:spLocks noGrp="1"/>
+          </p:cNvSpPr>
+          <p:nvPr>
+            <p:ph type="sldNum" sz="quarter" idx="12"/>
+          </p:nvPr>
+        </p:nvSpPr>
+        <p:spPr/>
+        <p:txBody>
+          <a:bodyPr/>
+          <a:lstStyle/>
+          <a:p>
+            <a:fld id="{81C3169C-C2F4-4114-809E-8D218DA81166}" type="slidenum">
+              <a:rPr lang="en-US" smtClean="0"/>
+              <a:t>2</a:t>
+            </a:fld>
+            <a:endParaRPr lang="en-US"/>
+          </a:p>
+        </p:txBody>
+      </p:sp>
     </p:spTree>
     <p:extLst>
       <p:ext uri="{BB962C8B-B14F-4D97-AF65-F5344CB8AC3E}">
@@ -7560,6 +8663,9 @@
   <p:clrMapOvr>
     <a:masterClrMapping/>
   </p:clrMapOvr>
+  <p:transition spd="slow">
+    <p:push dir="u"/>
+  </p:transition>
   <p:timing>
     <p:tnLst>
       <p:par>
@@ -7711,6 +8817,29 @@
           </a:prstGeom>
         </p:spPr>
       </p:pic>
+      <p:sp>
+        <p:nvSpPr>
+          <p:cNvPr id="3" name="Slide Number Placeholder 2"/>
+          <p:cNvSpPr>
+            <a:spLocks noGrp="1"/>
+          </p:cNvSpPr>
+          <p:nvPr>
+            <p:ph type="sldNum" sz="quarter" idx="12"/>
+          </p:nvPr>
+        </p:nvSpPr>
+        <p:spPr/>
+        <p:txBody>
+          <a:bodyPr/>
+          <a:lstStyle/>
+          <a:p>
+            <a:fld id="{81C3169C-C2F4-4114-809E-8D218DA81166}" type="slidenum">
+              <a:rPr lang="en-US" smtClean="0"/>
+              <a:t>20</a:t>
+            </a:fld>
+            <a:endParaRPr lang="en-US"/>
+          </a:p>
+        </p:txBody>
+      </p:sp>
     </p:spTree>
     <p:extLst>
       <p:ext uri="{BB962C8B-B14F-4D97-AF65-F5344CB8AC3E}">
@@ -7721,6 +8850,9 @@
   <p:clrMapOvr>
     <a:masterClrMapping/>
   </p:clrMapOvr>
+  <p:transition spd="slow">
+    <p:push dir="u"/>
+  </p:transition>
   <p:timing>
     <p:tnLst>
       <p:par>
@@ -8092,6 +9224,29 @@
           </a:prstGeom>
         </p:spPr>
       </p:pic>
+      <p:sp>
+        <p:nvSpPr>
+          <p:cNvPr id="3" name="Slide Number Placeholder 2"/>
+          <p:cNvSpPr>
+            <a:spLocks noGrp="1"/>
+          </p:cNvSpPr>
+          <p:nvPr>
+            <p:ph type="sldNum" sz="quarter" idx="12"/>
+          </p:nvPr>
+        </p:nvSpPr>
+        <p:spPr/>
+        <p:txBody>
+          <a:bodyPr/>
+          <a:lstStyle/>
+          <a:p>
+            <a:fld id="{81C3169C-C2F4-4114-809E-8D218DA81166}" type="slidenum">
+              <a:rPr lang="en-US" smtClean="0"/>
+              <a:t>21</a:t>
+            </a:fld>
+            <a:endParaRPr lang="en-US"/>
+          </a:p>
+        </p:txBody>
+      </p:sp>
     </p:spTree>
     <p:extLst>
       <p:ext uri="{BB962C8B-B14F-4D97-AF65-F5344CB8AC3E}">
@@ -8102,6 +9257,9 @@
   <p:clrMapOvr>
     <a:masterClrMapping/>
   </p:clrMapOvr>
+  <p:transition spd="slow">
+    <p:push dir="u"/>
+  </p:transition>
   <p:timing>
     <p:tnLst>
       <p:par>
@@ -8319,6 +9477,29 @@
           </a:p>
         </p:txBody>
       </p:sp>
+      <p:sp>
+        <p:nvSpPr>
+          <p:cNvPr id="6" name="Slide Number Placeholder 5"/>
+          <p:cNvSpPr>
+            <a:spLocks noGrp="1"/>
+          </p:cNvSpPr>
+          <p:nvPr>
+            <p:ph type="sldNum" sz="quarter" idx="12"/>
+          </p:nvPr>
+        </p:nvSpPr>
+        <p:spPr/>
+        <p:txBody>
+          <a:bodyPr/>
+          <a:lstStyle/>
+          <a:p>
+            <a:fld id="{81C3169C-C2F4-4114-809E-8D218DA81166}" type="slidenum">
+              <a:rPr lang="en-US" smtClean="0"/>
+              <a:t>22</a:t>
+            </a:fld>
+            <a:endParaRPr lang="en-US"/>
+          </a:p>
+        </p:txBody>
+      </p:sp>
     </p:spTree>
     <p:extLst>
       <p:ext uri="{BB962C8B-B14F-4D97-AF65-F5344CB8AC3E}">
@@ -8329,6 +9510,9 @@
   <p:clrMapOvr>
     <a:masterClrMapping/>
   </p:clrMapOvr>
+  <p:transition spd="slow">
+    <p:push dir="u"/>
+  </p:transition>
   <p:timing>
     <p:tnLst>
       <p:par>
@@ -8484,6 +9668,29 @@
           </a:p>
         </p:txBody>
       </p:sp>
+      <p:sp>
+        <p:nvSpPr>
+          <p:cNvPr id="4" name="Slide Number Placeholder 3"/>
+          <p:cNvSpPr>
+            <a:spLocks noGrp="1"/>
+          </p:cNvSpPr>
+          <p:nvPr>
+            <p:ph type="sldNum" sz="quarter" idx="12"/>
+          </p:nvPr>
+        </p:nvSpPr>
+        <p:spPr/>
+        <p:txBody>
+          <a:bodyPr/>
+          <a:lstStyle/>
+          <a:p>
+            <a:fld id="{81C3169C-C2F4-4114-809E-8D218DA81166}" type="slidenum">
+              <a:rPr lang="en-US" smtClean="0"/>
+              <a:t>23</a:t>
+            </a:fld>
+            <a:endParaRPr lang="en-US"/>
+          </a:p>
+        </p:txBody>
+      </p:sp>
     </p:spTree>
     <p:extLst>
       <p:ext uri="{BB962C8B-B14F-4D97-AF65-F5344CB8AC3E}">
@@ -8494,6 +9701,9 @@
   <p:clrMapOvr>
     <a:masterClrMapping/>
   </p:clrMapOvr>
+  <p:transition spd="slow">
+    <p:push dir="u"/>
+  </p:transition>
   <p:timing>
     <p:tnLst>
       <p:par>
@@ -8572,6 +9782,65 @@
           <a:sp3d/>
         </p:spPr>
       </p:pic>
+      <p:sp>
+        <p:nvSpPr>
+          <p:cNvPr id="4" name="Slide Number Placeholder 3"/>
+          <p:cNvSpPr>
+            <a:spLocks noGrp="1"/>
+          </p:cNvSpPr>
+          <p:nvPr>
+            <p:ph type="sldNum" sz="quarter" idx="12"/>
+          </p:nvPr>
+        </p:nvSpPr>
+        <p:spPr/>
+        <p:txBody>
+          <a:bodyPr/>
+          <a:lstStyle/>
+          <a:p>
+            <a:fld id="{81C3169C-C2F4-4114-809E-8D218DA81166}" type="slidenum">
+              <a:rPr lang="en-US" smtClean="0"/>
+              <a:t>24</a:t>
+            </a:fld>
+            <a:endParaRPr lang="en-US"/>
+          </a:p>
+        </p:txBody>
+      </p:sp>
+      <p:sp>
+        <p:nvSpPr>
+          <p:cNvPr id="5" name="TextBox 4"/>
+          <p:cNvSpPr txBox="1"/>
+          <p:nvPr/>
+        </p:nvSpPr>
+        <p:spPr>
+          <a:xfrm>
+            <a:off x="5888182" y="0"/>
+            <a:ext cx="1565564" cy="369332"/>
+          </a:xfrm>
+          <a:prstGeom prst="rect">
+            <a:avLst/>
+          </a:prstGeom>
+          <a:noFill/>
+        </p:spPr>
+        <p:txBody>
+          <a:bodyPr wrap="square" rtlCol="0">
+            <a:spAutoFit/>
+          </a:bodyPr>
+          <a:lstStyle/>
+          <a:p>
+            <a:r>
+              <a:rPr lang="en-US" dirty="0" smtClean="0">
+                <a:latin typeface="Andalus" panose="02020603050405020304" pitchFamily="18" charset="-78"/>
+                <a:cs typeface="Andalus" panose="02020603050405020304" pitchFamily="18" charset="-78"/>
+              </a:rPr>
+              <a:t>Chaos</a:t>
+            </a:r>
+            <a:endParaRPr lang="en-US" dirty="0">
+              <a:latin typeface="Andalus" panose="02020603050405020304" pitchFamily="18" charset="-78"/>
+              <a:cs typeface="Andalus" panose="02020603050405020304" pitchFamily="18" charset="-78"/>
+            </a:endParaRPr>
+          </a:p>
+        </p:txBody>
+      </p:sp>
     </p:spTree>
     <p:extLst>
       <p:ext uri="{BB962C8B-B14F-4D97-AF65-F5344CB8AC3E}">
@@ -8582,6 +9851,9 @@
   <p:clrMapOvr>
     <a:masterClrMapping/>
   </p:clrMapOvr>
+  <p:transition spd="slow">
+    <p:push dir="u"/>
+  </p:transition>
   <p:timing>
     <p:tnLst>
       <p:par>
@@ -8645,7 +9917,7 @@
                 </p:cond>
               </p:nextCondLst>
             </p:seq>
-            <p:video fullScrn="1">
+            <p:video>
               <p:cMediaNode vol="80000">
                 <p:cTn id="7" repeatCount="indefinite" fill="hold" display="0">
                   <p:stCondLst>
@@ -8772,9 +10044,32 @@
           </a:p>
         </p:txBody>
       </p:sp>
+      <p:sp>
+        <p:nvSpPr>
+          <p:cNvPr id="5" name="Slide Number Placeholder 4"/>
+          <p:cNvSpPr>
+            <a:spLocks noGrp="1"/>
+          </p:cNvSpPr>
+          <p:nvPr>
+            <p:ph type="sldNum" sz="quarter" idx="12"/>
+          </p:nvPr>
+        </p:nvSpPr>
+        <p:spPr/>
+        <p:txBody>
+          <a:bodyPr/>
+          <a:lstStyle/>
+          <a:p>
+            <a:fld id="{81C3169C-C2F4-4114-809E-8D218DA81166}" type="slidenum">
+              <a:rPr lang="en-US" smtClean="0"/>
+              <a:t>25</a:t>
+            </a:fld>
+            <a:endParaRPr lang="en-US"/>
+          </a:p>
+        </p:txBody>
+      </p:sp>
       <p:pic>
         <p:nvPicPr>
-          <p:cNvPr id="4" name="Picture 3"/>
+          <p:cNvPr id="3" name="Picture 2"/>
           <p:cNvPicPr>
             <a:picLocks noChangeAspect="1"/>
           </p:cNvPicPr>
@@ -8794,7 +10089,7 @@
         </p:blipFill>
         <p:spPr>
           <a:xfrm>
-            <a:off x="2159304" y="965427"/>
+            <a:off x="2438702" y="870404"/>
             <a:ext cx="7314595" cy="5485946"/>
           </a:xfrm>
           <a:prstGeom prst="rect">
@@ -8812,6 +10107,9 @@
   <p:clrMapOvr>
     <a:masterClrMapping/>
   </p:clrMapOvr>
+  <p:transition spd="slow">
+    <p:push dir="u"/>
+  </p:transition>
   <p:timing>
     <p:tnLst>
       <p:par>
@@ -8890,6 +10188,65 @@
           <a:sp3d/>
         </p:spPr>
       </p:pic>
+      <p:sp>
+        <p:nvSpPr>
+          <p:cNvPr id="4" name="Slide Number Placeholder 3"/>
+          <p:cNvSpPr>
+            <a:spLocks noGrp="1"/>
+          </p:cNvSpPr>
+          <p:nvPr>
+            <p:ph type="sldNum" sz="quarter" idx="12"/>
+          </p:nvPr>
+        </p:nvSpPr>
+        <p:spPr/>
+        <p:txBody>
+          <a:bodyPr/>
+          <a:lstStyle/>
+          <a:p>
+            <a:fld id="{81C3169C-C2F4-4114-809E-8D218DA81166}" type="slidenum">
+              <a:rPr lang="en-US" smtClean="0"/>
+              <a:t>26</a:t>
+            </a:fld>
+            <a:endParaRPr lang="en-US"/>
+          </a:p>
+        </p:txBody>
+      </p:sp>
+      <p:sp>
+        <p:nvSpPr>
+          <p:cNvPr id="5" name="TextBox 4"/>
+          <p:cNvSpPr txBox="1"/>
+          <p:nvPr/>
+        </p:nvSpPr>
+        <p:spPr>
+          <a:xfrm>
+            <a:off x="5555674" y="0"/>
+            <a:ext cx="1925781" cy="374073"/>
+          </a:xfrm>
+          <a:prstGeom prst="rect">
+            <a:avLst/>
+          </a:prstGeom>
+          <a:noFill/>
+        </p:spPr>
+        <p:txBody>
+          <a:bodyPr wrap="square" rtlCol="0">
+            <a:spAutoFit/>
+          </a:bodyPr>
+          <a:lstStyle/>
+          <a:p>
+            <a:r>
+              <a:rPr lang="en-US" dirty="0" smtClean="0">
+                <a:latin typeface="Andalus" panose="02020603050405020304" pitchFamily="18" charset="-78"/>
+                <a:cs typeface="Andalus" panose="02020603050405020304" pitchFamily="18" charset="-78"/>
+              </a:rPr>
+              <a:t>Point Tracking</a:t>
+            </a:r>
+            <a:endParaRPr lang="en-US" dirty="0">
+              <a:latin typeface="Andalus" panose="02020603050405020304" pitchFamily="18" charset="-78"/>
+              <a:cs typeface="Andalus" panose="02020603050405020304" pitchFamily="18" charset="-78"/>
+            </a:endParaRPr>
+          </a:p>
+        </p:txBody>
+      </p:sp>
     </p:spTree>
     <p:extLst>
       <p:ext uri="{BB962C8B-B14F-4D97-AF65-F5344CB8AC3E}">
@@ -8900,6 +10257,9 @@
   <p:clrMapOvr>
     <a:masterClrMapping/>
   </p:clrMapOvr>
+  <p:transition spd="slow">
+    <p:push dir="u"/>
+  </p:transition>
   <p:timing>
     <p:tnLst>
       <p:par>
@@ -8963,7 +10323,7 @@
                 </p:cond>
               </p:nextCondLst>
             </p:seq>
-            <p:video fullScrn="1">
+            <p:video>
               <p:cMediaNode vol="80000">
                 <p:cTn id="7" repeatCount="indefinite" fill="hold" display="0">
                   <p:stCondLst>
@@ -9088,6 +10448,29 @@
           </a:prstGeom>
         </p:spPr>
       </p:pic>
+      <p:sp>
+        <p:nvSpPr>
+          <p:cNvPr id="3" name="Slide Number Placeholder 2"/>
+          <p:cNvSpPr>
+            <a:spLocks noGrp="1"/>
+          </p:cNvSpPr>
+          <p:nvPr>
+            <p:ph type="sldNum" sz="quarter" idx="12"/>
+          </p:nvPr>
+        </p:nvSpPr>
+        <p:spPr/>
+        <p:txBody>
+          <a:bodyPr/>
+          <a:lstStyle/>
+          <a:p>
+            <a:fld id="{81C3169C-C2F4-4114-809E-8D218DA81166}" type="slidenum">
+              <a:rPr lang="en-US" smtClean="0"/>
+              <a:t>27</a:t>
+            </a:fld>
+            <a:endParaRPr lang="en-US"/>
+          </a:p>
+        </p:txBody>
+      </p:sp>
     </p:spTree>
     <p:extLst>
       <p:ext uri="{BB962C8B-B14F-4D97-AF65-F5344CB8AC3E}">
@@ -9098,6 +10481,9 @@
   <p:clrMapOvr>
     <a:masterClrMapping/>
   </p:clrMapOvr>
+  <p:transition spd="slow">
+    <p:push dir="u"/>
+  </p:transition>
   <p:timing>
     <p:tnLst>
       <p:par>
@@ -9155,6 +10541,29 @@
           </a:prstGeom>
         </p:spPr>
       </p:pic>
+      <p:sp>
+        <p:nvSpPr>
+          <p:cNvPr id="3" name="Slide Number Placeholder 2"/>
+          <p:cNvSpPr>
+            <a:spLocks noGrp="1"/>
+          </p:cNvSpPr>
+          <p:nvPr>
+            <p:ph type="sldNum" sz="quarter" idx="12"/>
+          </p:nvPr>
+        </p:nvSpPr>
+        <p:spPr/>
+        <p:txBody>
+          <a:bodyPr/>
+          <a:lstStyle/>
+          <a:p>
+            <a:fld id="{81C3169C-C2F4-4114-809E-8D218DA81166}" type="slidenum">
+              <a:rPr lang="en-US" smtClean="0"/>
+              <a:t>28</a:t>
+            </a:fld>
+            <a:endParaRPr lang="en-US"/>
+          </a:p>
+        </p:txBody>
+      </p:sp>
     </p:spTree>
     <p:extLst>
       <p:ext uri="{BB962C8B-B14F-4D97-AF65-F5344CB8AC3E}">
@@ -9165,6 +10574,9 @@
   <p:clrMapOvr>
     <a:masterClrMapping/>
   </p:clrMapOvr>
+  <p:transition spd="slow">
+    <p:push dir="u"/>
+  </p:transition>
   <p:timing>
     <p:tnLst>
       <p:par>
@@ -9222,6 +10634,29 @@
           </a:prstGeom>
         </p:spPr>
       </p:pic>
+      <p:sp>
+        <p:nvSpPr>
+          <p:cNvPr id="3" name="Slide Number Placeholder 2"/>
+          <p:cNvSpPr>
+            <a:spLocks noGrp="1"/>
+          </p:cNvSpPr>
+          <p:nvPr>
+            <p:ph type="sldNum" sz="quarter" idx="12"/>
+          </p:nvPr>
+        </p:nvSpPr>
+        <p:spPr/>
+        <p:txBody>
+          <a:bodyPr/>
+          <a:lstStyle/>
+          <a:p>
+            <a:fld id="{81C3169C-C2F4-4114-809E-8D218DA81166}" type="slidenum">
+              <a:rPr lang="en-US" smtClean="0"/>
+              <a:t>29</a:t>
+            </a:fld>
+            <a:endParaRPr lang="en-US"/>
+          </a:p>
+        </p:txBody>
+      </p:sp>
     </p:spTree>
     <p:extLst>
       <p:ext uri="{BB962C8B-B14F-4D97-AF65-F5344CB8AC3E}">
@@ -9232,6 +10667,9 @@
   <p:clrMapOvr>
     <a:masterClrMapping/>
   </p:clrMapOvr>
+  <p:transition spd="slow">
+    <p:push dir="u"/>
+  </p:transition>
   <p:timing>
     <p:tnLst>
       <p:par>
@@ -9267,7 +10705,7 @@
         </p:nvSpPr>
         <p:spPr>
           <a:xfrm>
-            <a:off x="3911600" y="299554"/>
+            <a:off x="4457700" y="347540"/>
             <a:ext cx="5384800" cy="461665"/>
           </a:xfrm>
           <a:prstGeom prst="rect">
@@ -9453,6 +10891,29 @@
           </a:prstGeom>
         </p:spPr>
       </p:pic>
+      <p:sp>
+        <p:nvSpPr>
+          <p:cNvPr id="3" name="Slide Number Placeholder 2"/>
+          <p:cNvSpPr>
+            <a:spLocks noGrp="1"/>
+          </p:cNvSpPr>
+          <p:nvPr>
+            <p:ph type="sldNum" sz="quarter" idx="12"/>
+          </p:nvPr>
+        </p:nvSpPr>
+        <p:spPr/>
+        <p:txBody>
+          <a:bodyPr/>
+          <a:lstStyle/>
+          <a:p>
+            <a:fld id="{81C3169C-C2F4-4114-809E-8D218DA81166}" type="slidenum">
+              <a:rPr lang="en-US" smtClean="0"/>
+              <a:t>3</a:t>
+            </a:fld>
+            <a:endParaRPr lang="en-US"/>
+          </a:p>
+        </p:txBody>
+      </p:sp>
     </p:spTree>
     <p:extLst>
       <p:ext uri="{BB962C8B-B14F-4D97-AF65-F5344CB8AC3E}">
@@ -9463,6 +10924,9 @@
   <p:clrMapOvr>
     <a:masterClrMapping/>
   </p:clrMapOvr>
+  <p:transition spd="slow">
+    <p:push dir="u"/>
+  </p:transition>
   <p:timing>
     <p:tnLst>
       <p:par>
@@ -9520,6 +10984,29 @@
           </a:prstGeom>
         </p:spPr>
       </p:pic>
+      <p:sp>
+        <p:nvSpPr>
+          <p:cNvPr id="3" name="Slide Number Placeholder 2"/>
+          <p:cNvSpPr>
+            <a:spLocks noGrp="1"/>
+          </p:cNvSpPr>
+          <p:nvPr>
+            <p:ph type="sldNum" sz="quarter" idx="12"/>
+          </p:nvPr>
+        </p:nvSpPr>
+        <p:spPr/>
+        <p:txBody>
+          <a:bodyPr/>
+          <a:lstStyle/>
+          <a:p>
+            <a:fld id="{81C3169C-C2F4-4114-809E-8D218DA81166}" type="slidenum">
+              <a:rPr lang="en-US" smtClean="0"/>
+              <a:t>30</a:t>
+            </a:fld>
+            <a:endParaRPr lang="en-US"/>
+          </a:p>
+        </p:txBody>
+      </p:sp>
     </p:spTree>
     <p:extLst>
       <p:ext uri="{BB962C8B-B14F-4D97-AF65-F5344CB8AC3E}">
@@ -9530,6 +11017,9 @@
   <p:clrMapOvr>
     <a:masterClrMapping/>
   </p:clrMapOvr>
+  <p:transition spd="slow">
+    <p:push dir="u"/>
+  </p:transition>
   <p:timing>
     <p:tnLst>
       <p:par>
@@ -9587,6 +11077,29 @@
           </a:prstGeom>
         </p:spPr>
       </p:pic>
+      <p:sp>
+        <p:nvSpPr>
+          <p:cNvPr id="3" name="Slide Number Placeholder 2"/>
+          <p:cNvSpPr>
+            <a:spLocks noGrp="1"/>
+          </p:cNvSpPr>
+          <p:nvPr>
+            <p:ph type="sldNum" sz="quarter" idx="12"/>
+          </p:nvPr>
+        </p:nvSpPr>
+        <p:spPr/>
+        <p:txBody>
+          <a:bodyPr/>
+          <a:lstStyle/>
+          <a:p>
+            <a:fld id="{81C3169C-C2F4-4114-809E-8D218DA81166}" type="slidenum">
+              <a:rPr lang="en-US" smtClean="0"/>
+              <a:t>31</a:t>
+            </a:fld>
+            <a:endParaRPr lang="en-US"/>
+          </a:p>
+        </p:txBody>
+      </p:sp>
     </p:spTree>
     <p:extLst>
       <p:ext uri="{BB962C8B-B14F-4D97-AF65-F5344CB8AC3E}">
@@ -9597,6 +11110,9 @@
   <p:clrMapOvr>
     <a:masterClrMapping/>
   </p:clrMapOvr>
+  <p:transition spd="slow">
+    <p:push dir="u"/>
+  </p:transition>
   <p:timing>
     <p:tnLst>
       <p:par>
@@ -9654,6 +11170,29 @@
           </a:prstGeom>
         </p:spPr>
       </p:pic>
+      <p:sp>
+        <p:nvSpPr>
+          <p:cNvPr id="3" name="Slide Number Placeholder 2"/>
+          <p:cNvSpPr>
+            <a:spLocks noGrp="1"/>
+          </p:cNvSpPr>
+          <p:nvPr>
+            <p:ph type="sldNum" sz="quarter" idx="12"/>
+          </p:nvPr>
+        </p:nvSpPr>
+        <p:spPr/>
+        <p:txBody>
+          <a:bodyPr/>
+          <a:lstStyle/>
+          <a:p>
+            <a:fld id="{81C3169C-C2F4-4114-809E-8D218DA81166}" type="slidenum">
+              <a:rPr lang="en-US" smtClean="0"/>
+              <a:t>32</a:t>
+            </a:fld>
+            <a:endParaRPr lang="en-US"/>
+          </a:p>
+        </p:txBody>
+      </p:sp>
     </p:spTree>
     <p:extLst>
       <p:ext uri="{BB962C8B-B14F-4D97-AF65-F5344CB8AC3E}">
@@ -9664,6 +11203,9 @@
   <p:clrMapOvr>
     <a:masterClrMapping/>
   </p:clrMapOvr>
+  <p:transition spd="slow">
+    <p:push dir="u"/>
+  </p:transition>
   <p:timing>
     <p:tnLst>
       <p:par>
@@ -9750,7 +11292,7 @@
         </p:nvSpPr>
         <p:spPr>
           <a:xfrm>
-            <a:off x="4495800" y="3605768"/>
+            <a:off x="5773882" y="0"/>
             <a:ext cx="1917700" cy="369332"/>
           </a:xfrm>
           <a:prstGeom prst="rect">
@@ -9765,14 +11307,46 @@
           <a:lstStyle/>
           <a:p>
             <a:r>
-              <a:rPr lang="en-US" dirty="0"/>
+              <a:rPr lang="en-US" dirty="0">
+                <a:latin typeface="Andalus" panose="02020603050405020304" pitchFamily="18" charset="-78"/>
+                <a:cs typeface="Andalus" panose="02020603050405020304" pitchFamily="18" charset="-78"/>
+              </a:rPr>
               <a:t>3D </a:t>
             </a:r>
             <a:r>
-              <a:rPr lang="en-US" dirty="0" smtClean="0"/>
+              <a:rPr lang="en-US" dirty="0" smtClean="0">
+                <a:latin typeface="Andalus" panose="02020603050405020304" pitchFamily="18" charset="-78"/>
+                <a:cs typeface="Andalus" panose="02020603050405020304" pitchFamily="18" charset="-78"/>
+              </a:rPr>
               <a:t>View</a:t>
             </a:r>
-            <a:endParaRPr lang="en-US" dirty="0"/>
+            <a:endParaRPr lang="en-US" dirty="0">
+              <a:latin typeface="Andalus" panose="02020603050405020304" pitchFamily="18" charset="-78"/>
+              <a:cs typeface="Andalus" panose="02020603050405020304" pitchFamily="18" charset="-78"/>
+            </a:endParaRPr>
+          </a:p>
+        </p:txBody>
+      </p:sp>
+      <p:sp>
+        <p:nvSpPr>
+          <p:cNvPr id="5" name="Slide Number Placeholder 4"/>
+          <p:cNvSpPr>
+            <a:spLocks noGrp="1"/>
+          </p:cNvSpPr>
+          <p:nvPr>
+            <p:ph type="sldNum" sz="quarter" idx="12"/>
+          </p:nvPr>
+        </p:nvSpPr>
+        <p:spPr/>
+        <p:txBody>
+          <a:bodyPr/>
+          <a:lstStyle/>
+          <a:p>
+            <a:fld id="{81C3169C-C2F4-4114-809E-8D218DA81166}" type="slidenum">
+              <a:rPr lang="en-US" smtClean="0"/>
+              <a:t>33</a:t>
+            </a:fld>
+            <a:endParaRPr lang="en-US"/>
           </a:p>
         </p:txBody>
       </p:sp>
@@ -9786,6 +11360,9 @@
   <p:clrMapOvr>
     <a:masterClrMapping/>
   </p:clrMapOvr>
+  <p:transition spd="slow">
+    <p:push dir="u"/>
+  </p:transition>
   <p:timing>
     <p:tnLst>
       <p:par>
@@ -9849,7 +11426,7 @@
                 </p:cond>
               </p:nextCondLst>
             </p:seq>
-            <p:video fullScrn="1">
+            <p:video>
               <p:cMediaNode vol="80000">
                 <p:cTn id="7" repeatCount="indefinite" fill="hold" display="0">
                   <p:stCondLst>
@@ -10003,7 +11580,7 @@
         </p:nvSpPr>
         <p:spPr>
           <a:xfrm>
-            <a:off x="5638800" y="0"/>
+            <a:off x="5551054" y="0"/>
             <a:ext cx="2184400" cy="369332"/>
           </a:xfrm>
           <a:prstGeom prst="rect">
@@ -10018,9 +11595,49 @@
           <a:lstStyle/>
           <a:p>
             <a:r>
-              <a:rPr lang="en-US" dirty="0"/>
-              <a:t>Top view (YX)</a:t>
-            </a:r>
+              <a:rPr lang="en-US" dirty="0">
+                <a:latin typeface="Andalus" panose="02020603050405020304" pitchFamily="18" charset="-78"/>
+                <a:cs typeface="Andalus" panose="02020603050405020304" pitchFamily="18" charset="-78"/>
+              </a:rPr>
+              <a:t>Top </a:t>
+            </a:r>
+            <a:r>
+              <a:rPr lang="en-US" dirty="0" smtClean="0">
+                <a:latin typeface="Andalus" panose="02020603050405020304" pitchFamily="18" charset="-78"/>
+                <a:cs typeface="Andalus" panose="02020603050405020304" pitchFamily="18" charset="-78"/>
+              </a:rPr>
+              <a:t>View </a:t>
+            </a:r>
+            <a:r>
+              <a:rPr lang="en-US" dirty="0">
+                <a:latin typeface="Andalus" panose="02020603050405020304" pitchFamily="18" charset="-78"/>
+                <a:cs typeface="Andalus" panose="02020603050405020304" pitchFamily="18" charset="-78"/>
+              </a:rPr>
+              <a:t>(YX)</a:t>
+            </a:r>
+          </a:p>
+        </p:txBody>
+      </p:sp>
+      <p:sp>
+        <p:nvSpPr>
+          <p:cNvPr id="5" name="Slide Number Placeholder 4"/>
+          <p:cNvSpPr>
+            <a:spLocks noGrp="1"/>
+          </p:cNvSpPr>
+          <p:nvPr>
+            <p:ph type="sldNum" sz="quarter" idx="12"/>
+          </p:nvPr>
+        </p:nvSpPr>
+        <p:spPr/>
+        <p:txBody>
+          <a:bodyPr/>
+          <a:lstStyle/>
+          <a:p>
+            <a:fld id="{81C3169C-C2F4-4114-809E-8D218DA81166}" type="slidenum">
+              <a:rPr lang="en-US" smtClean="0"/>
+              <a:t>34</a:t>
+            </a:fld>
+            <a:endParaRPr lang="en-US"/>
           </a:p>
         </p:txBody>
       </p:sp>
@@ -10034,6 +11651,9 @@
   <p:clrMapOvr>
     <a:masterClrMapping/>
   </p:clrMapOvr>
+  <p:transition spd="slow">
+    <p:push dir="u"/>
+  </p:transition>
   <p:timing>
     <p:tnLst>
       <p:par>
@@ -10097,7 +11717,7 @@
                 </p:cond>
               </p:nextCondLst>
             </p:seq>
-            <p:video fullScrn="1">
+            <p:video>
               <p:cMediaNode vol="80000">
                 <p:cTn id="7" repeatCount="indefinite" fill="hold" display="0">
                   <p:stCondLst>
@@ -10252,7 +11872,7 @@
         <p:spPr>
           <a:xfrm>
             <a:off x="5524500" y="-32782"/>
-            <a:ext cx="1651000" cy="369332"/>
+            <a:ext cx="2150918" cy="369332"/>
           </a:xfrm>
           <a:prstGeom prst="rect">
             <a:avLst/>
@@ -10266,9 +11886,49 @@
           <a:lstStyle/>
           <a:p>
             <a:r>
-              <a:rPr lang="en-US" dirty="0"/>
-              <a:t>Right view (ZX)</a:t>
-            </a:r>
+              <a:rPr lang="en-US" dirty="0">
+                <a:latin typeface="Andalus" panose="02020603050405020304" pitchFamily="18" charset="-78"/>
+                <a:cs typeface="Andalus" panose="02020603050405020304" pitchFamily="18" charset="-78"/>
+              </a:rPr>
+              <a:t>Right </a:t>
+            </a:r>
+            <a:r>
+              <a:rPr lang="en-US" dirty="0" smtClean="0">
+                <a:latin typeface="Andalus" panose="02020603050405020304" pitchFamily="18" charset="-78"/>
+                <a:cs typeface="Andalus" panose="02020603050405020304" pitchFamily="18" charset="-78"/>
+              </a:rPr>
+              <a:t>View </a:t>
+            </a:r>
+            <a:r>
+              <a:rPr lang="en-US" dirty="0">
+                <a:latin typeface="Andalus" panose="02020603050405020304" pitchFamily="18" charset="-78"/>
+                <a:cs typeface="Andalus" panose="02020603050405020304" pitchFamily="18" charset="-78"/>
+              </a:rPr>
+              <a:t>(ZX)</a:t>
+            </a:r>
+          </a:p>
+        </p:txBody>
+      </p:sp>
+      <p:sp>
+        <p:nvSpPr>
+          <p:cNvPr id="5" name="Slide Number Placeholder 4"/>
+          <p:cNvSpPr>
+            <a:spLocks noGrp="1"/>
+          </p:cNvSpPr>
+          <p:nvPr>
+            <p:ph type="sldNum" sz="quarter" idx="12"/>
+          </p:nvPr>
+        </p:nvSpPr>
+        <p:spPr/>
+        <p:txBody>
+          <a:bodyPr/>
+          <a:lstStyle/>
+          <a:p>
+            <a:fld id="{81C3169C-C2F4-4114-809E-8D218DA81166}" type="slidenum">
+              <a:rPr lang="en-US" smtClean="0"/>
+              <a:t>35</a:t>
+            </a:fld>
+            <a:endParaRPr lang="en-US"/>
           </a:p>
         </p:txBody>
       </p:sp>
@@ -10282,6 +11942,9 @@
   <p:clrMapOvr>
     <a:masterClrMapping/>
   </p:clrMapOvr>
+  <p:transition spd="slow">
+    <p:push dir="u"/>
+  </p:transition>
   <p:timing>
     <p:tnLst>
       <p:par>
@@ -10345,7 +12008,7 @@
                 </p:cond>
               </p:nextCondLst>
             </p:seq>
-            <p:video fullScrn="1">
+            <p:video>
               <p:cMediaNode vol="80000">
                 <p:cTn id="7" repeatCount="indefinite" fill="hold" display="0">
                   <p:stCondLst>
@@ -10514,9 +12177,49 @@
           <a:lstStyle/>
           <a:p>
             <a:r>
-              <a:rPr lang="en-US" dirty="0"/>
-              <a:t>Left view (ZY)</a:t>
-            </a:r>
+              <a:rPr lang="en-US" dirty="0">
+                <a:latin typeface="Andalus" panose="02020603050405020304" pitchFamily="18" charset="-78"/>
+                <a:cs typeface="Andalus" panose="02020603050405020304" pitchFamily="18" charset="-78"/>
+              </a:rPr>
+              <a:t>Left </a:t>
+            </a:r>
+            <a:r>
+              <a:rPr lang="en-US" dirty="0" smtClean="0">
+                <a:latin typeface="Andalus" panose="02020603050405020304" pitchFamily="18" charset="-78"/>
+                <a:cs typeface="Andalus" panose="02020603050405020304" pitchFamily="18" charset="-78"/>
+              </a:rPr>
+              <a:t>View </a:t>
+            </a:r>
+            <a:r>
+              <a:rPr lang="en-US" dirty="0">
+                <a:latin typeface="Andalus" panose="02020603050405020304" pitchFamily="18" charset="-78"/>
+                <a:cs typeface="Andalus" panose="02020603050405020304" pitchFamily="18" charset="-78"/>
+              </a:rPr>
+              <a:t>(ZY)</a:t>
+            </a:r>
+          </a:p>
+        </p:txBody>
+      </p:sp>
+      <p:sp>
+        <p:nvSpPr>
+          <p:cNvPr id="5" name="Slide Number Placeholder 4"/>
+          <p:cNvSpPr>
+            <a:spLocks noGrp="1"/>
+          </p:cNvSpPr>
+          <p:nvPr>
+            <p:ph type="sldNum" sz="quarter" idx="12"/>
+          </p:nvPr>
+        </p:nvSpPr>
+        <p:spPr/>
+        <p:txBody>
+          <a:bodyPr/>
+          <a:lstStyle/>
+          <a:p>
+            <a:fld id="{81C3169C-C2F4-4114-809E-8D218DA81166}" type="slidenum">
+              <a:rPr lang="en-US" smtClean="0"/>
+              <a:t>36</a:t>
+            </a:fld>
+            <a:endParaRPr lang="en-US"/>
           </a:p>
         </p:txBody>
       </p:sp>
@@ -10530,6 +12233,9 @@
   <p:clrMapOvr>
     <a:masterClrMapping/>
   </p:clrMapOvr>
+  <p:transition spd="slow">
+    <p:push dir="u"/>
+  </p:transition>
   <p:timing>
     <p:tnLst>
       <p:par>
@@ -10593,7 +12299,7 @@
                 </p:cond>
               </p:nextCondLst>
             </p:seq>
-            <p:video fullScrn="1">
+            <p:video>
               <p:cMediaNode vol="80000">
                 <p:cTn id="7" repeatCount="indefinite" fill="hold" display="0">
                   <p:stCondLst>
@@ -10718,6 +12424,29 @@
           </a:prstGeom>
         </p:spPr>
       </p:pic>
+      <p:sp>
+        <p:nvSpPr>
+          <p:cNvPr id="4" name="Slide Number Placeholder 3"/>
+          <p:cNvSpPr>
+            <a:spLocks noGrp="1"/>
+          </p:cNvSpPr>
+          <p:nvPr>
+            <p:ph type="sldNum" sz="quarter" idx="12"/>
+          </p:nvPr>
+        </p:nvSpPr>
+        <p:spPr/>
+        <p:txBody>
+          <a:bodyPr/>
+          <a:lstStyle/>
+          <a:p>
+            <a:fld id="{81C3169C-C2F4-4114-809E-8D218DA81166}" type="slidenum">
+              <a:rPr lang="en-US" smtClean="0"/>
+              <a:t>37</a:t>
+            </a:fld>
+            <a:endParaRPr lang="en-US"/>
+          </a:p>
+        </p:txBody>
+      </p:sp>
     </p:spTree>
     <p:extLst>
       <p:ext uri="{BB962C8B-B14F-4D97-AF65-F5344CB8AC3E}">
@@ -10728,6 +12457,9 @@
   <p:clrMapOvr>
     <a:masterClrMapping/>
   </p:clrMapOvr>
+  <p:transition spd="slow">
+    <p:push dir="u"/>
+  </p:transition>
   <p:timing>
     <p:tnLst>
       <p:par>
@@ -10785,6 +12517,29 @@
           </a:prstGeom>
         </p:spPr>
       </p:pic>
+      <p:sp>
+        <p:nvSpPr>
+          <p:cNvPr id="3" name="Slide Number Placeholder 2"/>
+          <p:cNvSpPr>
+            <a:spLocks noGrp="1"/>
+          </p:cNvSpPr>
+          <p:nvPr>
+            <p:ph type="sldNum" sz="quarter" idx="12"/>
+          </p:nvPr>
+        </p:nvSpPr>
+        <p:spPr/>
+        <p:txBody>
+          <a:bodyPr/>
+          <a:lstStyle/>
+          <a:p>
+            <a:fld id="{81C3169C-C2F4-4114-809E-8D218DA81166}" type="slidenum">
+              <a:rPr lang="en-US" smtClean="0"/>
+              <a:t>38</a:t>
+            </a:fld>
+            <a:endParaRPr lang="en-US"/>
+          </a:p>
+        </p:txBody>
+      </p:sp>
     </p:spTree>
     <p:extLst>
       <p:ext uri="{BB962C8B-B14F-4D97-AF65-F5344CB8AC3E}">
@@ -10795,6 +12550,9 @@
   <p:clrMapOvr>
     <a:masterClrMapping/>
   </p:clrMapOvr>
+  <p:transition spd="slow">
+    <p:push dir="u"/>
+  </p:transition>
   <p:timing>
     <p:tnLst>
       <p:par>
@@ -10852,6 +12610,29 @@
           </a:prstGeom>
         </p:spPr>
       </p:pic>
+      <p:sp>
+        <p:nvSpPr>
+          <p:cNvPr id="3" name="Slide Number Placeholder 2"/>
+          <p:cNvSpPr>
+            <a:spLocks noGrp="1"/>
+          </p:cNvSpPr>
+          <p:nvPr>
+            <p:ph type="sldNum" sz="quarter" idx="12"/>
+          </p:nvPr>
+        </p:nvSpPr>
+        <p:spPr/>
+        <p:txBody>
+          <a:bodyPr/>
+          <a:lstStyle/>
+          <a:p>
+            <a:fld id="{81C3169C-C2F4-4114-809E-8D218DA81166}" type="slidenum">
+              <a:rPr lang="en-US" smtClean="0"/>
+              <a:t>39</a:t>
+            </a:fld>
+            <a:endParaRPr lang="en-US"/>
+          </a:p>
+        </p:txBody>
+      </p:sp>
     </p:spTree>
     <p:extLst>
       <p:ext uri="{BB962C8B-B14F-4D97-AF65-F5344CB8AC3E}">
@@ -10862,6 +12643,9 @@
   <p:clrMapOvr>
     <a:masterClrMapping/>
   </p:clrMapOvr>
+  <p:transition spd="slow">
+    <p:push dir="u"/>
+  </p:transition>
   <p:timing>
     <p:tnLst>
       <p:par>
@@ -11123,6 +12907,29 @@
           </a:prstGeom>
         </p:spPr>
       </p:pic>
+      <p:sp>
+        <p:nvSpPr>
+          <p:cNvPr id="3" name="Slide Number Placeholder 2"/>
+          <p:cNvSpPr>
+            <a:spLocks noGrp="1"/>
+          </p:cNvSpPr>
+          <p:nvPr>
+            <p:ph type="sldNum" sz="quarter" idx="12"/>
+          </p:nvPr>
+        </p:nvSpPr>
+        <p:spPr/>
+        <p:txBody>
+          <a:bodyPr/>
+          <a:lstStyle/>
+          <a:p>
+            <a:fld id="{81C3169C-C2F4-4114-809E-8D218DA81166}" type="slidenum">
+              <a:rPr lang="en-US" smtClean="0"/>
+              <a:t>4</a:t>
+            </a:fld>
+            <a:endParaRPr lang="en-US"/>
+          </a:p>
+        </p:txBody>
+      </p:sp>
     </p:spTree>
     <p:extLst>
       <p:ext uri="{BB962C8B-B14F-4D97-AF65-F5344CB8AC3E}">
@@ -11133,6 +12940,9 @@
   <p:clrMapOvr>
     <a:masterClrMapping/>
   </p:clrMapOvr>
+  <p:transition spd="slow">
+    <p:push dir="u"/>
+  </p:transition>
   <p:timing>
     <p:tnLst>
       <p:par>
@@ -11190,6 +13000,29 @@
           </a:prstGeom>
         </p:spPr>
       </p:pic>
+      <p:sp>
+        <p:nvSpPr>
+          <p:cNvPr id="3" name="Slide Number Placeholder 2"/>
+          <p:cNvSpPr>
+            <a:spLocks noGrp="1"/>
+          </p:cNvSpPr>
+          <p:nvPr>
+            <p:ph type="sldNum" sz="quarter" idx="12"/>
+          </p:nvPr>
+        </p:nvSpPr>
+        <p:spPr/>
+        <p:txBody>
+          <a:bodyPr/>
+          <a:lstStyle/>
+          <a:p>
+            <a:fld id="{81C3169C-C2F4-4114-809E-8D218DA81166}" type="slidenum">
+              <a:rPr lang="en-US" smtClean="0"/>
+              <a:t>40</a:t>
+            </a:fld>
+            <a:endParaRPr lang="en-US"/>
+          </a:p>
+        </p:txBody>
+      </p:sp>
     </p:spTree>
     <p:extLst>
       <p:ext uri="{BB962C8B-B14F-4D97-AF65-F5344CB8AC3E}">
@@ -11200,6 +13033,9 @@
   <p:clrMapOvr>
     <a:masterClrMapping/>
   </p:clrMapOvr>
+  <p:transition spd="slow">
+    <p:push dir="u"/>
+  </p:transition>
   <p:timing>
     <p:tnLst>
       <p:par>
@@ -11257,6 +13093,29 @@
           </a:prstGeom>
         </p:spPr>
       </p:pic>
+      <p:sp>
+        <p:nvSpPr>
+          <p:cNvPr id="3" name="Slide Number Placeholder 2"/>
+          <p:cNvSpPr>
+            <a:spLocks noGrp="1"/>
+          </p:cNvSpPr>
+          <p:nvPr>
+            <p:ph type="sldNum" sz="quarter" idx="12"/>
+          </p:nvPr>
+        </p:nvSpPr>
+        <p:spPr/>
+        <p:txBody>
+          <a:bodyPr/>
+          <a:lstStyle/>
+          <a:p>
+            <a:fld id="{81C3169C-C2F4-4114-809E-8D218DA81166}" type="slidenum">
+              <a:rPr lang="en-US" smtClean="0"/>
+              <a:t>41</a:t>
+            </a:fld>
+            <a:endParaRPr lang="en-US"/>
+          </a:p>
+        </p:txBody>
+      </p:sp>
     </p:spTree>
     <p:extLst>
       <p:ext uri="{BB962C8B-B14F-4D97-AF65-F5344CB8AC3E}">
@@ -11267,6 +13126,9 @@
   <p:clrMapOvr>
     <a:masterClrMapping/>
   </p:clrMapOvr>
+  <p:transition spd="slow">
+    <p:push dir="u"/>
+  </p:transition>
   <p:timing>
     <p:tnLst>
       <p:par>
@@ -11324,6 +13186,29 @@
           </a:prstGeom>
         </p:spPr>
       </p:pic>
+      <p:sp>
+        <p:nvSpPr>
+          <p:cNvPr id="3" name="Slide Number Placeholder 2"/>
+          <p:cNvSpPr>
+            <a:spLocks noGrp="1"/>
+          </p:cNvSpPr>
+          <p:nvPr>
+            <p:ph type="sldNum" sz="quarter" idx="12"/>
+          </p:nvPr>
+        </p:nvSpPr>
+        <p:spPr/>
+        <p:txBody>
+          <a:bodyPr/>
+          <a:lstStyle/>
+          <a:p>
+            <a:fld id="{81C3169C-C2F4-4114-809E-8D218DA81166}" type="slidenum">
+              <a:rPr lang="en-US" smtClean="0"/>
+              <a:t>42</a:t>
+            </a:fld>
+            <a:endParaRPr lang="en-US"/>
+          </a:p>
+        </p:txBody>
+      </p:sp>
     </p:spTree>
     <p:extLst>
       <p:ext uri="{BB962C8B-B14F-4D97-AF65-F5344CB8AC3E}">
@@ -11334,6 +13219,9 @@
   <p:clrMapOvr>
     <a:masterClrMapping/>
   </p:clrMapOvr>
+  <p:transition spd="slow">
+    <p:push dir="u"/>
+  </p:transition>
   <p:timing>
     <p:tnLst>
       <p:par>
@@ -11599,6 +13487,29 @@
           </a:p>
         </p:txBody>
       </p:sp>
+      <p:sp>
+        <p:nvSpPr>
+          <p:cNvPr id="3" name="Slide Number Placeholder 2"/>
+          <p:cNvSpPr>
+            <a:spLocks noGrp="1"/>
+          </p:cNvSpPr>
+          <p:nvPr>
+            <p:ph type="sldNum" sz="quarter" idx="12"/>
+          </p:nvPr>
+        </p:nvSpPr>
+        <p:spPr/>
+        <p:txBody>
+          <a:bodyPr/>
+          <a:lstStyle/>
+          <a:p>
+            <a:fld id="{81C3169C-C2F4-4114-809E-8D218DA81166}" type="slidenum">
+              <a:rPr lang="en-US" smtClean="0"/>
+              <a:t>43</a:t>
+            </a:fld>
+            <a:endParaRPr lang="en-US"/>
+          </a:p>
+        </p:txBody>
+      </p:sp>
     </p:spTree>
     <p:extLst>
       <p:ext uri="{BB962C8B-B14F-4D97-AF65-F5344CB8AC3E}">
@@ -11609,6 +13520,9 @@
   <p:clrMapOvr>
     <a:masterClrMapping/>
   </p:clrMapOvr>
+  <p:transition spd="slow">
+    <p:push dir="u"/>
+  </p:transition>
   <p:timing>
     <p:tnLst>
       <p:par>
@@ -11905,6 +13819,29 @@
           </a:prstGeom>
         </p:spPr>
       </p:pic>
+      <p:sp>
+        <p:nvSpPr>
+          <p:cNvPr id="3" name="Slide Number Placeholder 2"/>
+          <p:cNvSpPr>
+            <a:spLocks noGrp="1"/>
+          </p:cNvSpPr>
+          <p:nvPr>
+            <p:ph type="sldNum" sz="quarter" idx="12"/>
+          </p:nvPr>
+        </p:nvSpPr>
+        <p:spPr/>
+        <p:txBody>
+          <a:bodyPr/>
+          <a:lstStyle/>
+          <a:p>
+            <a:fld id="{81C3169C-C2F4-4114-809E-8D218DA81166}" type="slidenum">
+              <a:rPr lang="en-US" smtClean="0"/>
+              <a:t>5</a:t>
+            </a:fld>
+            <a:endParaRPr lang="en-US"/>
+          </a:p>
+        </p:txBody>
+      </p:sp>
     </p:spTree>
     <p:extLst>
       <p:ext uri="{BB962C8B-B14F-4D97-AF65-F5344CB8AC3E}">
@@ -11915,6 +13852,9 @@
   <p:clrMapOvr>
     <a:masterClrMapping/>
   </p:clrMapOvr>
+  <p:transition spd="slow">
+    <p:push dir="u"/>
+  </p:transition>
   <p:timing>
     <p:tnLst>
       <p:par>
@@ -12306,6 +14246,29 @@
           </p:sp>
         </mc:Fallback>
       </mc:AlternateContent>
+      <p:sp>
+        <p:nvSpPr>
+          <p:cNvPr id="3" name="Slide Number Placeholder 2"/>
+          <p:cNvSpPr>
+            <a:spLocks noGrp="1"/>
+          </p:cNvSpPr>
+          <p:nvPr>
+            <p:ph type="sldNum" sz="quarter" idx="12"/>
+          </p:nvPr>
+        </p:nvSpPr>
+        <p:spPr/>
+        <p:txBody>
+          <a:bodyPr/>
+          <a:lstStyle/>
+          <a:p>
+            <a:fld id="{81C3169C-C2F4-4114-809E-8D218DA81166}" type="slidenum">
+              <a:rPr lang="en-US" smtClean="0"/>
+              <a:t>6</a:t>
+            </a:fld>
+            <a:endParaRPr lang="en-US"/>
+          </a:p>
+        </p:txBody>
+      </p:sp>
     </p:spTree>
     <p:extLst>
       <p:ext uri="{BB962C8B-B14F-4D97-AF65-F5344CB8AC3E}">
@@ -12316,6 +14279,9 @@
   <p:clrMapOvr>
     <a:masterClrMapping/>
   </p:clrMapOvr>
+  <p:transition spd="slow">
+    <p:push dir="u"/>
+  </p:transition>
   <p:timing>
     <p:tnLst>
       <p:par>
@@ -12522,8 +14488,8 @@
           </a:p>
         </p:txBody>
       </p:sp>
-      <mc:AlternateContent xmlns:mc="http://schemas.openxmlformats.org/markup-compatibility/2006">
-        <mc:Choice xmlns:a14="http://schemas.microsoft.com/office/drawing/2010/main" Requires="a14">
+      <mc:AlternateContent xmlns:mc="http://schemas.openxmlformats.org/markup-compatibility/2006" xmlns:a14="http://schemas.microsoft.com/office/drawing/2010/main">
+        <mc:Choice Requires="a14">
           <p:sp>
             <p:nvSpPr>
               <p:cNvPr id="8" name="Rectangle 7"/>
@@ -12585,7 +14551,7 @@
             </p:txBody>
           </p:sp>
         </mc:Choice>
-        <mc:Fallback>
+        <mc:Fallback xmlns="">
           <p:sp>
             <p:nvSpPr>
               <p:cNvPr id="8" name="Rectangle 7"/>
@@ -12732,6 +14698,29 @@
           </a:p>
         </p:txBody>
       </p:sp>
+      <p:sp>
+        <p:nvSpPr>
+          <p:cNvPr id="3" name="Slide Number Placeholder 2"/>
+          <p:cNvSpPr>
+            <a:spLocks noGrp="1"/>
+          </p:cNvSpPr>
+          <p:nvPr>
+            <p:ph type="sldNum" sz="quarter" idx="12"/>
+          </p:nvPr>
+        </p:nvSpPr>
+        <p:spPr/>
+        <p:txBody>
+          <a:bodyPr/>
+          <a:lstStyle/>
+          <a:p>
+            <a:fld id="{81C3169C-C2F4-4114-809E-8D218DA81166}" type="slidenum">
+              <a:rPr lang="en-US" smtClean="0"/>
+              <a:t>7</a:t>
+            </a:fld>
+            <a:endParaRPr lang="en-US"/>
+          </a:p>
+        </p:txBody>
+      </p:sp>
     </p:spTree>
     <p:extLst>
       <p:ext uri="{BB962C8B-B14F-4D97-AF65-F5344CB8AC3E}">
@@ -12742,6 +14731,9 @@
   <p:clrMapOvr>
     <a:masterClrMapping/>
   </p:clrMapOvr>
+  <p:transition spd="slow">
+    <p:push dir="u"/>
+  </p:transition>
   <p:timing>
     <p:tnLst>
       <p:par>
@@ -12866,14 +14858,7 @@
                 <a:latin typeface="Andalus" panose="02020603050405020304" pitchFamily="18" charset="-78"/>
                 <a:cs typeface="Andalus" panose="02020603050405020304" pitchFamily="18" charset="-78"/>
               </a:rPr>
-              <a:t>   </a:t>
-            </a:r>
-            <a:r>
-              <a:rPr lang="en-US" dirty="0" smtClean="0">
-                <a:latin typeface="Andalus" panose="02020603050405020304" pitchFamily="18" charset="-78"/>
-                <a:cs typeface="Andalus" panose="02020603050405020304" pitchFamily="18" charset="-78"/>
-              </a:rPr>
-              <a:t>It </a:t>
+              <a:t>   It </a:t>
             </a:r>
             <a:r>
               <a:rPr lang="en-US" dirty="0">
@@ -13117,6 +15102,29 @@
           </a:p>
         </p:txBody>
       </p:sp>
+      <p:sp>
+        <p:nvSpPr>
+          <p:cNvPr id="3" name="Slide Number Placeholder 2"/>
+          <p:cNvSpPr>
+            <a:spLocks noGrp="1"/>
+          </p:cNvSpPr>
+          <p:nvPr>
+            <p:ph type="sldNum" sz="quarter" idx="12"/>
+          </p:nvPr>
+        </p:nvSpPr>
+        <p:spPr/>
+        <p:txBody>
+          <a:bodyPr/>
+          <a:lstStyle/>
+          <a:p>
+            <a:fld id="{81C3169C-C2F4-4114-809E-8D218DA81166}" type="slidenum">
+              <a:rPr lang="en-US" smtClean="0"/>
+              <a:t>8</a:t>
+            </a:fld>
+            <a:endParaRPr lang="en-US"/>
+          </a:p>
+        </p:txBody>
+      </p:sp>
     </p:spTree>
     <p:extLst>
       <p:ext uri="{BB962C8B-B14F-4D97-AF65-F5344CB8AC3E}">
@@ -13127,6 +15135,9 @@
   <p:clrMapOvr>
     <a:masterClrMapping/>
   </p:clrMapOvr>
+  <p:transition spd="slow">
+    <p:push dir="u"/>
+  </p:transition>
   <p:timing>
     <p:tnLst>
       <p:par>
@@ -13423,6 +15434,29 @@
           </a:prstGeom>
         </p:spPr>
       </p:pic>
+      <p:sp>
+        <p:nvSpPr>
+          <p:cNvPr id="3" name="Slide Number Placeholder 2"/>
+          <p:cNvSpPr>
+            <a:spLocks noGrp="1"/>
+          </p:cNvSpPr>
+          <p:nvPr>
+            <p:ph type="sldNum" sz="quarter" idx="12"/>
+          </p:nvPr>
+        </p:nvSpPr>
+        <p:spPr/>
+        <p:txBody>
+          <a:bodyPr/>
+          <a:lstStyle/>
+          <a:p>
+            <a:fld id="{81C3169C-C2F4-4114-809E-8D218DA81166}" type="slidenum">
+              <a:rPr lang="en-US" smtClean="0"/>
+              <a:t>9</a:t>
+            </a:fld>
+            <a:endParaRPr lang="en-US"/>
+          </a:p>
+        </p:txBody>
+      </p:sp>
     </p:spTree>
     <p:extLst>
       <p:ext uri="{BB962C8B-B14F-4D97-AF65-F5344CB8AC3E}">
@@ -13433,6 +15467,9 @@
   <p:clrMapOvr>
     <a:masterClrMapping/>
   </p:clrMapOvr>
+  <p:transition spd="slow">
+    <p:push dir="u"/>
+  </p:transition>
   <p:timing>
     <p:tnLst>
       <p:par>
@@ -13446,7 +15483,7 @@
 <file path=ppt/theme/theme1.xml><?xml version="1.0" encoding="utf-8"?>
 <a:theme xmlns:a="http://schemas.openxmlformats.org/drawingml/2006/main" name="Office Theme">
   <a:themeElements>
-    <a:clrScheme name="Office Theme">
+    <a:clrScheme name="Office">
       <a:dk1>
         <a:sysClr val="windowText" lastClr="000000"/>
       </a:dk1>
@@ -13460,22 +15497,22 @@
         <a:srgbClr val="E7E6E6"/>
       </a:lt2>
       <a:accent1>
-        <a:srgbClr val="1D9A78"/>
+        <a:srgbClr val="5B9BD5"/>
       </a:accent1>
       <a:accent2>
-        <a:srgbClr val="8BC145"/>
+        <a:srgbClr val="ED7D31"/>
       </a:accent2>
       <a:accent3>
-        <a:srgbClr val="36AFCE"/>
+        <a:srgbClr val="A5A5A5"/>
       </a:accent3>
       <a:accent4>
-        <a:srgbClr val="1D6FA9"/>
+        <a:srgbClr val="FFC000"/>
       </a:accent4>
       <a:accent5>
-        <a:srgbClr val="B74919"/>
+        <a:srgbClr val="4472C4"/>
       </a:accent5>
       <a:accent6>
-        <a:srgbClr val="F19D19"/>
+        <a:srgbClr val="70AD47"/>
       </a:accent6>
       <a:hlink>
         <a:srgbClr val="0563C1"/>
@@ -13484,7 +15521,7 @@
         <a:srgbClr val="954F72"/>
       </a:folHlink>
     </a:clrScheme>
-    <a:fontScheme name="Office Theme">
+    <a:fontScheme name="Office">
       <a:majorFont>
         <a:latin typeface="Calibri Light" panose="020F0302020204030204"/>
         <a:ea typeface=""/>
@@ -13556,7 +15593,7 @@
         <a:font script="Geor" typeface="Sylfaen"/>
       </a:minorFont>
     </a:fontScheme>
-    <a:fmtScheme name="Office Theme">
+    <a:fmtScheme name="Office">
       <a:fillStyleLst>
         <a:solidFill>
           <a:schemeClr val="phClr"/>
@@ -13698,7 +15735,529 @@
   <a:extraClrSchemeLst/>
   <a:extLst>
     <a:ext uri="{05A4C25C-085E-4340-85A3-A5531E510DB2}">
-      <thm15:themeFamily xmlns:thm15="http://schemas.microsoft.com/office/thememl/2012/main" name="Office Theme" id="{62F939B6-93AF-4DB8-9C6B-D6C7DFDC589F}" vid="{AE6F2518-B084-4896-AF52-66CC2144AA26}"/>
+      <thm15:themeFamily xmlns:thm15="http://schemas.microsoft.com/office/thememl/2012/main" name="Office Theme" id="{62F939B6-93AF-4DB8-9C6B-D6C7DFDC589F}" vid="{4A3C46E8-61CC-4603-A589-7422A47A8E4A}"/>
+    </a:ext>
+  </a:extLst>
+</a:theme>
+</file>
+
+<file path=ppt/theme/theme2.xml><?xml version="1.0" encoding="utf-8"?>
+<a:theme xmlns:a="http://schemas.openxmlformats.org/drawingml/2006/main" name="Office Theme">
+  <a:themeElements>
+    <a:clrScheme name="Office">
+      <a:dk1>
+        <a:sysClr val="windowText" lastClr="000000"/>
+      </a:dk1>
+      <a:lt1>
+        <a:sysClr val="window" lastClr="FFFFFF"/>
+      </a:lt1>
+      <a:dk2>
+        <a:srgbClr val="44546A"/>
+      </a:dk2>
+      <a:lt2>
+        <a:srgbClr val="E7E6E6"/>
+      </a:lt2>
+      <a:accent1>
+        <a:srgbClr val="5B9BD5"/>
+      </a:accent1>
+      <a:accent2>
+        <a:srgbClr val="ED7D31"/>
+      </a:accent2>
+      <a:accent3>
+        <a:srgbClr val="A5A5A5"/>
+      </a:accent3>
+      <a:accent4>
+        <a:srgbClr val="FFC000"/>
+      </a:accent4>
+      <a:accent5>
+        <a:srgbClr val="4472C4"/>
+      </a:accent5>
+      <a:accent6>
+        <a:srgbClr val="70AD47"/>
+      </a:accent6>
+      <a:hlink>
+        <a:srgbClr val="0563C1"/>
+      </a:hlink>
+      <a:folHlink>
+        <a:srgbClr val="954F72"/>
+      </a:folHlink>
+    </a:clrScheme>
+    <a:fontScheme name="Office">
+      <a:majorFont>
+        <a:latin typeface="Calibri Light" panose="020F0302020204030204"/>
+        <a:ea typeface=""/>
+        <a:cs typeface=""/>
+        <a:font script="Jpan" typeface="ＭＳ Ｐゴシック"/>
+        <a:font script="Hang" typeface="맑은 고딕"/>
+        <a:font script="Hans" typeface="宋体"/>
+        <a:font script="Hant" typeface="新細明體"/>
+        <a:font script="Arab" typeface="Times New Roman"/>
+        <a:font script="Hebr" typeface="Times New Roman"/>
+        <a:font script="Thai" typeface="Angsana New"/>
+        <a:font script="Ethi" typeface="Nyala"/>
+        <a:font script="Beng" typeface="Vrinda"/>
+        <a:font script="Gujr" typeface="Shruti"/>
+        <a:font script="Khmr" typeface="MoolBoran"/>
+        <a:font script="Knda" typeface="Tunga"/>
+        <a:font script="Guru" typeface="Raavi"/>
+        <a:font script="Cans" typeface="Euphemia"/>
+        <a:font script="Cher" typeface="Plantagenet Cherokee"/>
+        <a:font script="Yiii" typeface="Microsoft Yi Baiti"/>
+        <a:font script="Tibt" typeface="Microsoft Himalaya"/>
+        <a:font script="Thaa" typeface="MV Boli"/>
+        <a:font script="Deva" typeface="Mangal"/>
+        <a:font script="Telu" typeface="Gautami"/>
+        <a:font script="Taml" typeface="Latha"/>
+        <a:font script="Syrc" typeface="Estrangelo Edessa"/>
+        <a:font script="Orya" typeface="Kalinga"/>
+        <a:font script="Mlym" typeface="Kartika"/>
+        <a:font script="Laoo" typeface="DokChampa"/>
+        <a:font script="Sinh" typeface="Iskoola Pota"/>
+        <a:font script="Mong" typeface="Mongolian Baiti"/>
+        <a:font script="Viet" typeface="Times New Roman"/>
+        <a:font script="Uigh" typeface="Microsoft Uighur"/>
+        <a:font script="Geor" typeface="Sylfaen"/>
+      </a:majorFont>
+      <a:minorFont>
+        <a:latin typeface="Calibri" panose="020F0502020204030204"/>
+        <a:ea typeface=""/>
+        <a:cs typeface=""/>
+        <a:font script="Jpan" typeface="ＭＳ Ｐゴシック"/>
+        <a:font script="Hang" typeface="맑은 고딕"/>
+        <a:font script="Hans" typeface="宋体"/>
+        <a:font script="Hant" typeface="新細明體"/>
+        <a:font script="Arab" typeface="Arial"/>
+        <a:font script="Hebr" typeface="Arial"/>
+        <a:font script="Thai" typeface="Cordia New"/>
+        <a:font script="Ethi" typeface="Nyala"/>
+        <a:font script="Beng" typeface="Vrinda"/>
+        <a:font script="Gujr" typeface="Shruti"/>
+        <a:font script="Khmr" typeface="DaunPenh"/>
+        <a:font script="Knda" typeface="Tunga"/>
+        <a:font script="Guru" typeface="Raavi"/>
+        <a:font script="Cans" typeface="Euphemia"/>
+        <a:font script="Cher" typeface="Plantagenet Cherokee"/>
+        <a:font script="Yiii" typeface="Microsoft Yi Baiti"/>
+        <a:font script="Tibt" typeface="Microsoft Himalaya"/>
+        <a:font script="Thaa" typeface="MV Boli"/>
+        <a:font script="Deva" typeface="Mangal"/>
+        <a:font script="Telu" typeface="Gautami"/>
+        <a:font script="Taml" typeface="Latha"/>
+        <a:font script="Syrc" typeface="Estrangelo Edessa"/>
+        <a:font script="Orya" typeface="Kalinga"/>
+        <a:font script="Mlym" typeface="Kartika"/>
+        <a:font script="Laoo" typeface="DokChampa"/>
+        <a:font script="Sinh" typeface="Iskoola Pota"/>
+        <a:font script="Mong" typeface="Mongolian Baiti"/>
+        <a:font script="Viet" typeface="Arial"/>
+        <a:font script="Uigh" typeface="Microsoft Uighur"/>
+        <a:font script="Geor" typeface="Sylfaen"/>
+      </a:minorFont>
+    </a:fontScheme>
+    <a:fmtScheme name="Office">
+      <a:fillStyleLst>
+        <a:solidFill>
+          <a:schemeClr val="phClr"/>
+        </a:solidFill>
+        <a:gradFill rotWithShape="1">
+          <a:gsLst>
+            <a:gs pos="0">
+              <a:schemeClr val="phClr">
+                <a:lumMod val="110000"/>
+                <a:satMod val="105000"/>
+                <a:tint val="67000"/>
+              </a:schemeClr>
+            </a:gs>
+            <a:gs pos="50000">
+              <a:schemeClr val="phClr">
+                <a:lumMod val="105000"/>
+                <a:satMod val="103000"/>
+                <a:tint val="73000"/>
+              </a:schemeClr>
+            </a:gs>
+            <a:gs pos="100000">
+              <a:schemeClr val="phClr">
+                <a:lumMod val="105000"/>
+                <a:satMod val="109000"/>
+                <a:tint val="81000"/>
+              </a:schemeClr>
+            </a:gs>
+          </a:gsLst>
+          <a:lin ang="5400000" scaled="0"/>
+        </a:gradFill>
+        <a:gradFill rotWithShape="1">
+          <a:gsLst>
+            <a:gs pos="0">
+              <a:schemeClr val="phClr">
+                <a:satMod val="103000"/>
+                <a:lumMod val="102000"/>
+                <a:tint val="94000"/>
+              </a:schemeClr>
+            </a:gs>
+            <a:gs pos="50000">
+              <a:schemeClr val="phClr">
+                <a:satMod val="110000"/>
+                <a:lumMod val="100000"/>
+                <a:shade val="100000"/>
+              </a:schemeClr>
+            </a:gs>
+            <a:gs pos="100000">
+              <a:schemeClr val="phClr">
+                <a:lumMod val="99000"/>
+                <a:satMod val="120000"/>
+                <a:shade val="78000"/>
+              </a:schemeClr>
+            </a:gs>
+          </a:gsLst>
+          <a:lin ang="5400000" scaled="0"/>
+        </a:gradFill>
+      </a:fillStyleLst>
+      <a:lnStyleLst>
+        <a:ln w="6350" cap="flat" cmpd="sng" algn="ctr">
+          <a:solidFill>
+            <a:schemeClr val="phClr"/>
+          </a:solidFill>
+          <a:prstDash val="solid"/>
+          <a:miter lim="800000"/>
+        </a:ln>
+        <a:ln w="12700" cap="flat" cmpd="sng" algn="ctr">
+          <a:solidFill>
+            <a:schemeClr val="phClr"/>
+          </a:solidFill>
+          <a:prstDash val="solid"/>
+          <a:miter lim="800000"/>
+        </a:ln>
+        <a:ln w="19050" cap="flat" cmpd="sng" algn="ctr">
+          <a:solidFill>
+            <a:schemeClr val="phClr"/>
+          </a:solidFill>
+          <a:prstDash val="solid"/>
+          <a:miter lim="800000"/>
+        </a:ln>
+      </a:lnStyleLst>
+      <a:effectStyleLst>
+        <a:effectStyle>
+          <a:effectLst/>
+        </a:effectStyle>
+        <a:effectStyle>
+          <a:effectLst/>
+        </a:effectStyle>
+        <a:effectStyle>
+          <a:effectLst>
+            <a:outerShdw blurRad="57150" dist="19050" dir="5400000" algn="ctr" rotWithShape="0">
+              <a:srgbClr val="000000">
+                <a:alpha val="63000"/>
+              </a:srgbClr>
+            </a:outerShdw>
+          </a:effectLst>
+        </a:effectStyle>
+      </a:effectStyleLst>
+      <a:bgFillStyleLst>
+        <a:solidFill>
+          <a:schemeClr val="phClr"/>
+        </a:solidFill>
+        <a:solidFill>
+          <a:schemeClr val="phClr">
+            <a:tint val="95000"/>
+            <a:satMod val="170000"/>
+          </a:schemeClr>
+        </a:solidFill>
+        <a:gradFill rotWithShape="1">
+          <a:gsLst>
+            <a:gs pos="0">
+              <a:schemeClr val="phClr">
+                <a:tint val="93000"/>
+                <a:satMod val="150000"/>
+                <a:shade val="98000"/>
+                <a:lumMod val="102000"/>
+              </a:schemeClr>
+            </a:gs>
+            <a:gs pos="50000">
+              <a:schemeClr val="phClr">
+                <a:tint val="98000"/>
+                <a:satMod val="130000"/>
+                <a:shade val="90000"/>
+                <a:lumMod val="103000"/>
+              </a:schemeClr>
+            </a:gs>
+            <a:gs pos="100000">
+              <a:schemeClr val="phClr">
+                <a:shade val="63000"/>
+                <a:satMod val="120000"/>
+              </a:schemeClr>
+            </a:gs>
+          </a:gsLst>
+          <a:lin ang="5400000" scaled="0"/>
+        </a:gradFill>
+      </a:bgFillStyleLst>
+    </a:fmtScheme>
+  </a:themeElements>
+  <a:objectDefaults/>
+  <a:extraClrSchemeLst/>
+  <a:extLst>
+    <a:ext uri="{05A4C25C-085E-4340-85A3-A5531E510DB2}">
+      <thm15:themeFamily xmlns:thm15="http://schemas.microsoft.com/office/thememl/2012/main" name="Office Theme" id="{62F939B6-93AF-4DB8-9C6B-D6C7DFDC589F}" vid="{4A3C46E8-61CC-4603-A589-7422A47A8E4A}"/>
+    </a:ext>
+  </a:extLst>
+</a:theme>
+</file>
+
+<file path=ppt/theme/theme3.xml><?xml version="1.0" encoding="utf-8"?>
+<a:theme xmlns:a="http://schemas.openxmlformats.org/drawingml/2006/main" name="Office Theme">
+  <a:themeElements>
+    <a:clrScheme name="Office">
+      <a:dk1>
+        <a:sysClr val="windowText" lastClr="000000"/>
+      </a:dk1>
+      <a:lt1>
+        <a:sysClr val="window" lastClr="FFFFFF"/>
+      </a:lt1>
+      <a:dk2>
+        <a:srgbClr val="44546A"/>
+      </a:dk2>
+      <a:lt2>
+        <a:srgbClr val="E7E6E6"/>
+      </a:lt2>
+      <a:accent1>
+        <a:srgbClr val="5B9BD5"/>
+      </a:accent1>
+      <a:accent2>
+        <a:srgbClr val="ED7D31"/>
+      </a:accent2>
+      <a:accent3>
+        <a:srgbClr val="A5A5A5"/>
+      </a:accent3>
+      <a:accent4>
+        <a:srgbClr val="FFC000"/>
+      </a:accent4>
+      <a:accent5>
+        <a:srgbClr val="4472C4"/>
+      </a:accent5>
+      <a:accent6>
+        <a:srgbClr val="70AD47"/>
+      </a:accent6>
+      <a:hlink>
+        <a:srgbClr val="0563C1"/>
+      </a:hlink>
+      <a:folHlink>
+        <a:srgbClr val="954F72"/>
+      </a:folHlink>
+    </a:clrScheme>
+    <a:fontScheme name="Office">
+      <a:majorFont>
+        <a:latin typeface="Calibri Light" panose="020F0302020204030204"/>
+        <a:ea typeface=""/>
+        <a:cs typeface=""/>
+        <a:font script="Jpan" typeface="ＭＳ Ｐゴシック"/>
+        <a:font script="Hang" typeface="맑은 고딕"/>
+        <a:font script="Hans" typeface="宋体"/>
+        <a:font script="Hant" typeface="新細明體"/>
+        <a:font script="Arab" typeface="Times New Roman"/>
+        <a:font script="Hebr" typeface="Times New Roman"/>
+        <a:font script="Thai" typeface="Angsana New"/>
+        <a:font script="Ethi" typeface="Nyala"/>
+        <a:font script="Beng" typeface="Vrinda"/>
+        <a:font script="Gujr" typeface="Shruti"/>
+        <a:font script="Khmr" typeface="MoolBoran"/>
+        <a:font script="Knda" typeface="Tunga"/>
+        <a:font script="Guru" typeface="Raavi"/>
+        <a:font script="Cans" typeface="Euphemia"/>
+        <a:font script="Cher" typeface="Plantagenet Cherokee"/>
+        <a:font script="Yiii" typeface="Microsoft Yi Baiti"/>
+        <a:font script="Tibt" typeface="Microsoft Himalaya"/>
+        <a:font script="Thaa" typeface="MV Boli"/>
+        <a:font script="Deva" typeface="Mangal"/>
+        <a:font script="Telu" typeface="Gautami"/>
+        <a:font script="Taml" typeface="Latha"/>
+        <a:font script="Syrc" typeface="Estrangelo Edessa"/>
+        <a:font script="Orya" typeface="Kalinga"/>
+        <a:font script="Mlym" typeface="Kartika"/>
+        <a:font script="Laoo" typeface="DokChampa"/>
+        <a:font script="Sinh" typeface="Iskoola Pota"/>
+        <a:font script="Mong" typeface="Mongolian Baiti"/>
+        <a:font script="Viet" typeface="Times New Roman"/>
+        <a:font script="Uigh" typeface="Microsoft Uighur"/>
+        <a:font script="Geor" typeface="Sylfaen"/>
+      </a:majorFont>
+      <a:minorFont>
+        <a:latin typeface="Calibri" panose="020F0502020204030204"/>
+        <a:ea typeface=""/>
+        <a:cs typeface=""/>
+        <a:font script="Jpan" typeface="ＭＳ Ｐゴシック"/>
+        <a:font script="Hang" typeface="맑은 고딕"/>
+        <a:font script="Hans" typeface="宋体"/>
+        <a:font script="Hant" typeface="新細明體"/>
+        <a:font script="Arab" typeface="Arial"/>
+        <a:font script="Hebr" typeface="Arial"/>
+        <a:font script="Thai" typeface="Cordia New"/>
+        <a:font script="Ethi" typeface="Nyala"/>
+        <a:font script="Beng" typeface="Vrinda"/>
+        <a:font script="Gujr" typeface="Shruti"/>
+        <a:font script="Khmr" typeface="DaunPenh"/>
+        <a:font script="Knda" typeface="Tunga"/>
+        <a:font script="Guru" typeface="Raavi"/>
+        <a:font script="Cans" typeface="Euphemia"/>
+        <a:font script="Cher" typeface="Plantagenet Cherokee"/>
+        <a:font script="Yiii" typeface="Microsoft Yi Baiti"/>
+        <a:font script="Tibt" typeface="Microsoft Himalaya"/>
+        <a:font script="Thaa" typeface="MV Boli"/>
+        <a:font script="Deva" typeface="Mangal"/>
+        <a:font script="Telu" typeface="Gautami"/>
+        <a:font script="Taml" typeface="Latha"/>
+        <a:font script="Syrc" typeface="Estrangelo Edessa"/>
+        <a:font script="Orya" typeface="Kalinga"/>
+        <a:font script="Mlym" typeface="Kartika"/>
+        <a:font script="Laoo" typeface="DokChampa"/>
+        <a:font script="Sinh" typeface="Iskoola Pota"/>
+        <a:font script="Mong" typeface="Mongolian Baiti"/>
+        <a:font script="Viet" typeface="Arial"/>
+        <a:font script="Uigh" typeface="Microsoft Uighur"/>
+        <a:font script="Geor" typeface="Sylfaen"/>
+      </a:minorFont>
+    </a:fontScheme>
+    <a:fmtScheme name="Office">
+      <a:fillStyleLst>
+        <a:solidFill>
+          <a:schemeClr val="phClr"/>
+        </a:solidFill>
+        <a:gradFill rotWithShape="1">
+          <a:gsLst>
+            <a:gs pos="0">
+              <a:schemeClr val="phClr">
+                <a:lumMod val="110000"/>
+                <a:satMod val="105000"/>
+                <a:tint val="67000"/>
+              </a:schemeClr>
+            </a:gs>
+            <a:gs pos="50000">
+              <a:schemeClr val="phClr">
+                <a:lumMod val="105000"/>
+                <a:satMod val="103000"/>
+                <a:tint val="73000"/>
+              </a:schemeClr>
+            </a:gs>
+            <a:gs pos="100000">
+              <a:schemeClr val="phClr">
+                <a:lumMod val="105000"/>
+                <a:satMod val="109000"/>
+                <a:tint val="81000"/>
+              </a:schemeClr>
+            </a:gs>
+          </a:gsLst>
+          <a:lin ang="5400000" scaled="0"/>
+        </a:gradFill>
+        <a:gradFill rotWithShape="1">
+          <a:gsLst>
+            <a:gs pos="0">
+              <a:schemeClr val="phClr">
+                <a:satMod val="103000"/>
+                <a:lumMod val="102000"/>
+                <a:tint val="94000"/>
+              </a:schemeClr>
+            </a:gs>
+            <a:gs pos="50000">
+              <a:schemeClr val="phClr">
+                <a:satMod val="110000"/>
+                <a:lumMod val="100000"/>
+                <a:shade val="100000"/>
+              </a:schemeClr>
+            </a:gs>
+            <a:gs pos="100000">
+              <a:schemeClr val="phClr">
+                <a:lumMod val="99000"/>
+                <a:satMod val="120000"/>
+                <a:shade val="78000"/>
+              </a:schemeClr>
+            </a:gs>
+          </a:gsLst>
+          <a:lin ang="5400000" scaled="0"/>
+        </a:gradFill>
+      </a:fillStyleLst>
+      <a:lnStyleLst>
+        <a:ln w="6350" cap="flat" cmpd="sng" algn="ctr">
+          <a:solidFill>
+            <a:schemeClr val="phClr"/>
+          </a:solidFill>
+          <a:prstDash val="solid"/>
+          <a:miter lim="800000"/>
+        </a:ln>
+        <a:ln w="12700" cap="flat" cmpd="sng" algn="ctr">
+          <a:solidFill>
+            <a:schemeClr val="phClr"/>
+          </a:solidFill>
+          <a:prstDash val="solid"/>
+          <a:miter lim="800000"/>
+        </a:ln>
+        <a:ln w="19050" cap="flat" cmpd="sng" algn="ctr">
+          <a:solidFill>
+            <a:schemeClr val="phClr"/>
+          </a:solidFill>
+          <a:prstDash val="solid"/>
+          <a:miter lim="800000"/>
+        </a:ln>
+      </a:lnStyleLst>
+      <a:effectStyleLst>
+        <a:effectStyle>
+          <a:effectLst/>
+        </a:effectStyle>
+        <a:effectStyle>
+          <a:effectLst/>
+        </a:effectStyle>
+        <a:effectStyle>
+          <a:effectLst>
+            <a:outerShdw blurRad="57150" dist="19050" dir="5400000" algn="ctr" rotWithShape="0">
+              <a:srgbClr val="000000">
+                <a:alpha val="63000"/>
+              </a:srgbClr>
+            </a:outerShdw>
+          </a:effectLst>
+        </a:effectStyle>
+      </a:effectStyleLst>
+      <a:bgFillStyleLst>
+        <a:solidFill>
+          <a:schemeClr val="phClr"/>
+        </a:solidFill>
+        <a:solidFill>
+          <a:schemeClr val="phClr">
+            <a:tint val="95000"/>
+            <a:satMod val="170000"/>
+          </a:schemeClr>
+        </a:solidFill>
+        <a:gradFill rotWithShape="1">
+          <a:gsLst>
+            <a:gs pos="0">
+              <a:schemeClr val="phClr">
+                <a:tint val="93000"/>
+                <a:satMod val="150000"/>
+                <a:shade val="98000"/>
+                <a:lumMod val="102000"/>
+              </a:schemeClr>
+            </a:gs>
+            <a:gs pos="50000">
+              <a:schemeClr val="phClr">
+                <a:tint val="98000"/>
+                <a:satMod val="130000"/>
+                <a:shade val="90000"/>
+                <a:lumMod val="103000"/>
+              </a:schemeClr>
+            </a:gs>
+            <a:gs pos="100000">
+              <a:schemeClr val="phClr">
+                <a:shade val="63000"/>
+                <a:satMod val="120000"/>
+              </a:schemeClr>
+            </a:gs>
+          </a:gsLst>
+          <a:lin ang="5400000" scaled="0"/>
+        </a:gradFill>
+      </a:bgFillStyleLst>
+    </a:fmtScheme>
+  </a:themeElements>
+  <a:objectDefaults/>
+  <a:extraClrSchemeLst/>
+  <a:extLst>
+    <a:ext uri="{05A4C25C-085E-4340-85A3-A5531E510DB2}">
+      <thm15:themeFamily xmlns:thm15="http://schemas.microsoft.com/office/thememl/2012/main" name="Office Theme" id="{62F939B6-93AF-4DB8-9C6B-D6C7DFDC589F}" vid="{4A3C46E8-61CC-4603-A589-7422A47A8E4A}"/>
     </a:ext>
   </a:extLst>
 </a:theme>
